--- a/期末/datapath.pptx
+++ b/期末/datapath.pptx
@@ -5,7 +5,7 @@
     <p:sldMasterId id="2147483648" r:id="rId1"/>
   </p:sldMasterIdLst>
   <p:sldIdLst>
-    <p:sldId id="257" r:id="rId2"/>
+    <p:sldId id="258" r:id="rId2"/>
   </p:sldIdLst>
   <p:sldSz cx="12192000" cy="6858000"/>
   <p:notesSz cx="6858000" cy="9144000"/>
@@ -104,7 +104,174 @@
       </a:defRPr>
     </a:lvl9pPr>
   </p:defaultTextStyle>
+  <p:extLst>
+    <p:ext uri="{EFAFB233-063F-42B5-8137-9DF3F51BA10A}">
+      <p15:sldGuideLst xmlns:p15="http://schemas.microsoft.com/office/powerpoint/2012/main"/>
+    </p:ext>
+  </p:extLst>
 </p:presentation>
+</file>
+
+<file path=ppt/ink/ink1.xml><?xml version="1.0" encoding="utf-8"?>
+<inkml:ink xmlns:inkml="http://www.w3.org/2003/InkML">
+  <inkml:definitions>
+    <inkml:context xml:id="ctx0">
+      <inkml:inkSource xml:id="inkSrc0">
+        <inkml:traceFormat>
+          <inkml:channel name="X" type="integer" min="-2.14748E9" max="2.14748E9" units="cm"/>
+          <inkml:channel name="Y" type="integer" min="-2.14748E9" max="2.14748E9" units="cm"/>
+          <inkml:channel name="F" type="integer" max="32767" units="dev"/>
+        </inkml:traceFormat>
+        <inkml:channelProperties>
+          <inkml:channelProperty channel="X" name="resolution" value="1000" units="1/cm"/>
+          <inkml:channelProperty channel="Y" name="resolution" value="1000" units="1/cm"/>
+          <inkml:channelProperty channel="F" name="resolution" value="0" units="1/dev"/>
+        </inkml:channelProperties>
+      </inkml:inkSource>
+      <inkml:timestamp xml:id="ts0" timeString="2023-06-05T18:55:15.574"/>
+    </inkml:context>
+    <inkml:brush xml:id="br0">
+      <inkml:brushProperty name="width" value="0.05" units="cm"/>
+      <inkml:brushProperty name="height" value="0.05" units="cm"/>
+    </inkml:brush>
+  </inkml:definitions>
+  <inkml:trace contextRef="#ctx0" brushRef="#br0">1 1 24575</inkml:trace>
+</inkml:ink>
+</file>
+
+<file path=ppt/ink/ink2.xml><?xml version="1.0" encoding="utf-8"?>
+<inkml:ink xmlns:inkml="http://www.w3.org/2003/InkML">
+  <inkml:definitions>
+    <inkml:context xml:id="ctx0">
+      <inkml:inkSource xml:id="inkSrc0">
+        <inkml:traceFormat>
+          <inkml:channel name="X" type="integer" min="-2.14748E9" max="2.14748E9" units="cm"/>
+          <inkml:channel name="Y" type="integer" min="-2.14748E9" max="2.14748E9" units="cm"/>
+          <inkml:channel name="F" type="integer" max="32767" units="dev"/>
+        </inkml:traceFormat>
+        <inkml:channelProperties>
+          <inkml:channelProperty channel="X" name="resolution" value="1000" units="1/cm"/>
+          <inkml:channelProperty channel="Y" name="resolution" value="1000" units="1/cm"/>
+          <inkml:channelProperty channel="F" name="resolution" value="0" units="1/dev"/>
+        </inkml:channelProperties>
+      </inkml:inkSource>
+      <inkml:timestamp xml:id="ts0" timeString="2023-06-05T18:55:56.145"/>
+    </inkml:context>
+    <inkml:brush xml:id="br0">
+      <inkml:brushProperty name="width" value="0.1" units="cm"/>
+      <inkml:brushProperty name="height" value="0.1" units="cm"/>
+    </inkml:brush>
+  </inkml:definitions>
+  <inkml:trace contextRef="#ctx0" brushRef="#br0">1 0 24575</inkml:trace>
+</inkml:ink>
+</file>
+
+<file path=ppt/ink/ink3.xml><?xml version="1.0" encoding="utf-8"?>
+<inkml:ink xmlns:inkml="http://www.w3.org/2003/InkML">
+  <inkml:definitions>
+    <inkml:context xml:id="ctx0">
+      <inkml:inkSource xml:id="inkSrc0">
+        <inkml:traceFormat>
+          <inkml:channel name="X" type="integer" min="-2.14748E9" max="2.14748E9" units="cm"/>
+          <inkml:channel name="Y" type="integer" min="-2.14748E9" max="2.14748E9" units="cm"/>
+          <inkml:channel name="F" type="integer" max="32767" units="dev"/>
+        </inkml:traceFormat>
+        <inkml:channelProperties>
+          <inkml:channelProperty channel="X" name="resolution" value="1000" units="1/cm"/>
+          <inkml:channelProperty channel="Y" name="resolution" value="1000" units="1/cm"/>
+          <inkml:channelProperty channel="F" name="resolution" value="0" units="1/dev"/>
+        </inkml:channelProperties>
+      </inkml:inkSource>
+      <inkml:timestamp xml:id="ts0" timeString="2023-06-05T18:56:04.040"/>
+    </inkml:context>
+    <inkml:brush xml:id="br0">
+      <inkml:brushProperty name="width" value="0.1" units="cm"/>
+      <inkml:brushProperty name="height" value="0.1" units="cm"/>
+    </inkml:brush>
+  </inkml:definitions>
+  <inkml:trace contextRef="#ctx0" brushRef="#br0">0 1 24575</inkml:trace>
+</inkml:ink>
+</file>
+
+<file path=ppt/ink/ink4.xml><?xml version="1.0" encoding="utf-8"?>
+<inkml:ink xmlns:inkml="http://www.w3.org/2003/InkML">
+  <inkml:definitions>
+    <inkml:context xml:id="ctx0">
+      <inkml:inkSource xml:id="inkSrc0">
+        <inkml:traceFormat>
+          <inkml:channel name="X" type="integer" min="-2.14748E9" max="2.14748E9" units="cm"/>
+          <inkml:channel name="Y" type="integer" min="-2.14748E9" max="2.14748E9" units="cm"/>
+          <inkml:channel name="F" type="integer" max="32767" units="dev"/>
+        </inkml:traceFormat>
+        <inkml:channelProperties>
+          <inkml:channelProperty channel="X" name="resolution" value="1000" units="1/cm"/>
+          <inkml:channelProperty channel="Y" name="resolution" value="1000" units="1/cm"/>
+          <inkml:channelProperty channel="F" name="resolution" value="0" units="1/dev"/>
+        </inkml:channelProperties>
+      </inkml:inkSource>
+      <inkml:timestamp xml:id="ts0" timeString="2023-06-05T18:59:03.404"/>
+    </inkml:context>
+    <inkml:brush xml:id="br0">
+      <inkml:brushProperty name="width" value="0.1" units="cm"/>
+      <inkml:brushProperty name="height" value="0.1" units="cm"/>
+    </inkml:brush>
+  </inkml:definitions>
+  <inkml:trace contextRef="#ctx0" brushRef="#br0">0 1 24575</inkml:trace>
+</inkml:ink>
+</file>
+
+<file path=ppt/ink/ink5.xml><?xml version="1.0" encoding="utf-8"?>
+<inkml:ink xmlns:inkml="http://www.w3.org/2003/InkML">
+  <inkml:definitions>
+    <inkml:context xml:id="ctx0">
+      <inkml:inkSource xml:id="inkSrc0">
+        <inkml:traceFormat>
+          <inkml:channel name="X" type="integer" min="-2.14748E9" max="2.14748E9" units="cm"/>
+          <inkml:channel name="Y" type="integer" min="-2.14748E9" max="2.14748E9" units="cm"/>
+          <inkml:channel name="F" type="integer" max="32767" units="dev"/>
+        </inkml:traceFormat>
+        <inkml:channelProperties>
+          <inkml:channelProperty channel="X" name="resolution" value="1000" units="1/cm"/>
+          <inkml:channelProperty channel="Y" name="resolution" value="1000" units="1/cm"/>
+          <inkml:channelProperty channel="F" name="resolution" value="0" units="1/dev"/>
+        </inkml:channelProperties>
+      </inkml:inkSource>
+      <inkml:timestamp xml:id="ts0" timeString="2023-06-05T19:01:30.307"/>
+    </inkml:context>
+    <inkml:brush xml:id="br0">
+      <inkml:brushProperty name="width" value="0.1" units="cm"/>
+      <inkml:brushProperty name="height" value="0.1" units="cm"/>
+    </inkml:brush>
+  </inkml:definitions>
+  <inkml:trace contextRef="#ctx0" brushRef="#br0">0 1 24575</inkml:trace>
+</inkml:ink>
+</file>
+
+<file path=ppt/ink/ink6.xml><?xml version="1.0" encoding="utf-8"?>
+<inkml:ink xmlns:inkml="http://www.w3.org/2003/InkML">
+  <inkml:definitions>
+    <inkml:context xml:id="ctx0">
+      <inkml:inkSource xml:id="inkSrc0">
+        <inkml:traceFormat>
+          <inkml:channel name="X" type="integer" min="-2.14748E9" max="2.14748E9" units="cm"/>
+          <inkml:channel name="Y" type="integer" min="-2.14748E9" max="2.14748E9" units="cm"/>
+          <inkml:channel name="F" type="integer" max="32767" units="dev"/>
+        </inkml:traceFormat>
+        <inkml:channelProperties>
+          <inkml:channelProperty channel="X" name="resolution" value="1000" units="1/cm"/>
+          <inkml:channelProperty channel="Y" name="resolution" value="1000" units="1/cm"/>
+          <inkml:channelProperty channel="F" name="resolution" value="0" units="1/dev"/>
+        </inkml:channelProperties>
+      </inkml:inkSource>
+      <inkml:timestamp xml:id="ts0" timeString="2023-06-05T19:07:34.198"/>
+    </inkml:context>
+    <inkml:brush xml:id="br0">
+      <inkml:brushProperty name="width" value="0.1" units="cm"/>
+      <inkml:brushProperty name="height" value="0.1" units="cm"/>
+    </inkml:brush>
+  </inkml:definitions>
+  <inkml:trace contextRef="#ctx0" brushRef="#br0">1 2 24575,'0'-2'0</inkml:trace>
+</inkml:ink>
 </file>
 
 <file path=ppt/slideLayouts/slideLayout1.xml><?xml version="1.0" encoding="utf-8"?>
@@ -256,7 +423,7 @@
           <a:p>
             <a:fld id="{0302F887-3ED8-4B75-A562-01B9257E6DAF}" type="datetimeFigureOut">
               <a:rPr lang="zh-TW" altLang="en-US" smtClean="0"/>
-              <a:t>2023/6/5</a:t>
+              <a:t>2023/6/6</a:t>
             </a:fld>
             <a:endParaRPr lang="zh-TW" altLang="en-US"/>
           </a:p>
@@ -456,7 +623,7 @@
           <a:p>
             <a:fld id="{0302F887-3ED8-4B75-A562-01B9257E6DAF}" type="datetimeFigureOut">
               <a:rPr lang="zh-TW" altLang="en-US" smtClean="0"/>
-              <a:t>2023/6/5</a:t>
+              <a:t>2023/6/6</a:t>
             </a:fld>
             <a:endParaRPr lang="zh-TW" altLang="en-US"/>
           </a:p>
@@ -666,7 +833,7 @@
           <a:p>
             <a:fld id="{0302F887-3ED8-4B75-A562-01B9257E6DAF}" type="datetimeFigureOut">
               <a:rPr lang="zh-TW" altLang="en-US" smtClean="0"/>
-              <a:t>2023/6/5</a:t>
+              <a:t>2023/6/6</a:t>
             </a:fld>
             <a:endParaRPr lang="zh-TW" altLang="en-US"/>
           </a:p>
@@ -866,7 +1033,7 @@
           <a:p>
             <a:fld id="{0302F887-3ED8-4B75-A562-01B9257E6DAF}" type="datetimeFigureOut">
               <a:rPr lang="zh-TW" altLang="en-US" smtClean="0"/>
-              <a:t>2023/6/5</a:t>
+              <a:t>2023/6/6</a:t>
             </a:fld>
             <a:endParaRPr lang="zh-TW" altLang="en-US"/>
           </a:p>
@@ -1142,7 +1309,7 @@
           <a:p>
             <a:fld id="{0302F887-3ED8-4B75-A562-01B9257E6DAF}" type="datetimeFigureOut">
               <a:rPr lang="zh-TW" altLang="en-US" smtClean="0"/>
-              <a:t>2023/6/5</a:t>
+              <a:t>2023/6/6</a:t>
             </a:fld>
             <a:endParaRPr lang="zh-TW" altLang="en-US"/>
           </a:p>
@@ -1410,7 +1577,7 @@
           <a:p>
             <a:fld id="{0302F887-3ED8-4B75-A562-01B9257E6DAF}" type="datetimeFigureOut">
               <a:rPr lang="zh-TW" altLang="en-US" smtClean="0"/>
-              <a:t>2023/6/5</a:t>
+              <a:t>2023/6/6</a:t>
             </a:fld>
             <a:endParaRPr lang="zh-TW" altLang="en-US"/>
           </a:p>
@@ -1825,7 +1992,7 @@
           <a:p>
             <a:fld id="{0302F887-3ED8-4B75-A562-01B9257E6DAF}" type="datetimeFigureOut">
               <a:rPr lang="zh-TW" altLang="en-US" smtClean="0"/>
-              <a:t>2023/6/5</a:t>
+              <a:t>2023/6/6</a:t>
             </a:fld>
             <a:endParaRPr lang="zh-TW" altLang="en-US"/>
           </a:p>
@@ -1967,7 +2134,7 @@
           <a:p>
             <a:fld id="{0302F887-3ED8-4B75-A562-01B9257E6DAF}" type="datetimeFigureOut">
               <a:rPr lang="zh-TW" altLang="en-US" smtClean="0"/>
-              <a:t>2023/6/5</a:t>
+              <a:t>2023/6/6</a:t>
             </a:fld>
             <a:endParaRPr lang="zh-TW" altLang="en-US"/>
           </a:p>
@@ -2080,7 +2247,7 @@
           <a:p>
             <a:fld id="{0302F887-3ED8-4B75-A562-01B9257E6DAF}" type="datetimeFigureOut">
               <a:rPr lang="zh-TW" altLang="en-US" smtClean="0"/>
-              <a:t>2023/6/5</a:t>
+              <a:t>2023/6/6</a:t>
             </a:fld>
             <a:endParaRPr lang="zh-TW" altLang="en-US"/>
           </a:p>
@@ -2393,7 +2560,7 @@
           <a:p>
             <a:fld id="{0302F887-3ED8-4B75-A562-01B9257E6DAF}" type="datetimeFigureOut">
               <a:rPr lang="zh-TW" altLang="en-US" smtClean="0"/>
-              <a:t>2023/6/5</a:t>
+              <a:t>2023/6/6</a:t>
             </a:fld>
             <a:endParaRPr lang="zh-TW" altLang="en-US"/>
           </a:p>
@@ -2682,7 +2849,7 @@
           <a:p>
             <a:fld id="{0302F887-3ED8-4B75-A562-01B9257E6DAF}" type="datetimeFigureOut">
               <a:rPr lang="zh-TW" altLang="en-US" smtClean="0"/>
-              <a:t>2023/6/5</a:t>
+              <a:t>2023/6/6</a:t>
             </a:fld>
             <a:endParaRPr lang="zh-TW" altLang="en-US"/>
           </a:p>
@@ -2925,7 +3092,7 @@
           <a:p>
             <a:fld id="{0302F887-3ED8-4B75-A562-01B9257E6DAF}" type="datetimeFigureOut">
               <a:rPr lang="zh-TW" altLang="en-US" smtClean="0"/>
-              <a:t>2023/6/5</a:t>
+              <a:t>2023/6/6</a:t>
             </a:fld>
             <a:endParaRPr lang="zh-TW" altLang="en-US"/>
           </a:p>
@@ -3342,46 +3509,4083 @@
           <a:chExt cx="0" cy="0"/>
         </a:xfrm>
       </p:grpSpPr>
-      <p:pic>
-        <p:nvPicPr>
-          <p:cNvPr id="7" name="Picture 6" descr="A picture containing diagram, sketch, technical drawing, plan">
-            <a:extLst>
-              <a:ext uri="{FF2B5EF4-FFF2-40B4-BE49-F238E27FC236}">
-                <a16:creationId xmlns:a16="http://schemas.microsoft.com/office/drawing/2014/main" id="{4C1F8658-6BCD-6709-9DF9-07ED1153AF0D}"/>
-              </a:ext>
-            </a:extLst>
-          </p:cNvPr>
-          <p:cNvPicPr>
-            <a:picLocks noChangeAspect="1"/>
-          </p:cNvPicPr>
-          <p:nvPr/>
-        </p:nvPicPr>
-        <p:blipFill>
-          <a:blip r:embed="rId2">
-            <a:extLst>
-              <a:ext uri="{28A0092B-C50C-407E-A947-70E740481C1C}">
-                <a14:useLocalDpi xmlns:a14="http://schemas.microsoft.com/office/drawing/2010/main" val="0"/>
-              </a:ext>
-            </a:extLst>
-          </a:blip>
-          <a:stretch>
-            <a:fillRect/>
-          </a:stretch>
-        </p:blipFill>
-        <p:spPr>
-          <a:xfrm>
-            <a:off x="0" y="293299"/>
-            <a:ext cx="12094116" cy="6461740"/>
+      <p:sp>
+        <p:nvSpPr>
+          <p:cNvPr id="5" name="Rectangle 4">
+            <a:extLst>
+              <a:ext uri="{FF2B5EF4-FFF2-40B4-BE49-F238E27FC236}">
+                <a16:creationId xmlns:a16="http://schemas.microsoft.com/office/drawing/2014/main" id="{20EF995B-E537-85F6-B3DE-48B73F31AC95}"/>
+              </a:ext>
+            </a:extLst>
+          </p:cNvPr>
+          <p:cNvSpPr/>
+          <p:nvPr/>
+        </p:nvSpPr>
+        <p:spPr>
+          <a:xfrm>
+            <a:off x="577971" y="569343"/>
+            <a:ext cx="457200" cy="3036499"/>
           </a:xfrm>
           <a:prstGeom prst="rect">
             <a:avLst/>
           </a:prstGeom>
         </p:spPr>
-      </p:pic>
+        <p:style>
+          <a:lnRef idx="2">
+            <a:schemeClr val="dk1"/>
+          </a:lnRef>
+          <a:fillRef idx="1">
+            <a:schemeClr val="lt1"/>
+          </a:fillRef>
+          <a:effectRef idx="0">
+            <a:schemeClr val="dk1"/>
+          </a:effectRef>
+          <a:fontRef idx="minor">
+            <a:schemeClr val="dk1"/>
+          </a:fontRef>
+        </p:style>
+        <p:txBody>
+          <a:bodyPr rtlCol="0" anchor="ctr"/>
+          <a:lstStyle/>
+          <a:p>
+            <a:pPr algn="ctr"/>
+            <a:r>
+              <a:rPr lang="en-US" altLang="zh-TW" dirty="0"/>
+              <a:t>pc</a:t>
+            </a:r>
+            <a:endParaRPr lang="zh-TW" altLang="en-US" dirty="0"/>
+          </a:p>
+        </p:txBody>
+      </p:sp>
+      <p:sp>
+        <p:nvSpPr>
+          <p:cNvPr id="6" name="Rectangle 5">
+            <a:extLst>
+              <a:ext uri="{FF2B5EF4-FFF2-40B4-BE49-F238E27FC236}">
+                <a16:creationId xmlns:a16="http://schemas.microsoft.com/office/drawing/2014/main" id="{D629EB9D-0009-97C7-9D59-79E1FF790FA7}"/>
+              </a:ext>
+            </a:extLst>
+          </p:cNvPr>
+          <p:cNvSpPr/>
+          <p:nvPr/>
+        </p:nvSpPr>
+        <p:spPr>
+          <a:xfrm>
+            <a:off x="1431274" y="2494176"/>
+            <a:ext cx="1115682" cy="1041482"/>
+          </a:xfrm>
+          <a:prstGeom prst="rect">
+            <a:avLst/>
+          </a:prstGeom>
+        </p:spPr>
+        <p:style>
+          <a:lnRef idx="2">
+            <a:schemeClr val="dk1"/>
+          </a:lnRef>
+          <a:fillRef idx="1">
+            <a:schemeClr val="lt1"/>
+          </a:fillRef>
+          <a:effectRef idx="0">
+            <a:schemeClr val="dk1"/>
+          </a:effectRef>
+          <a:fontRef idx="minor">
+            <a:schemeClr val="dk1"/>
+          </a:fontRef>
+        </p:style>
+        <p:txBody>
+          <a:bodyPr rtlCol="0" anchor="ctr"/>
+          <a:lstStyle/>
+          <a:p>
+            <a:pPr algn="ctr"/>
+            <a:r>
+              <a:rPr lang="en-US" altLang="zh-TW" sz="1000" dirty="0"/>
+              <a:t>Instruction</a:t>
+            </a:r>
+          </a:p>
+          <a:p>
+            <a:pPr algn="ctr"/>
+            <a:r>
+              <a:rPr lang="en-US" altLang="zh-TW" sz="1000" dirty="0"/>
+              <a:t>memory</a:t>
+            </a:r>
+            <a:endParaRPr lang="zh-TW" altLang="en-US" sz="1000" dirty="0"/>
+          </a:p>
+        </p:txBody>
+      </p:sp>
+      <p:sp>
+        <p:nvSpPr>
+          <p:cNvPr id="7" name="Rectangle 6">
+            <a:extLst>
+              <a:ext uri="{FF2B5EF4-FFF2-40B4-BE49-F238E27FC236}">
+                <a16:creationId xmlns:a16="http://schemas.microsoft.com/office/drawing/2014/main" id="{AE38E198-99C0-0E8F-81AE-4498C3E5CA9F}"/>
+              </a:ext>
+            </a:extLst>
+          </p:cNvPr>
+          <p:cNvSpPr/>
+          <p:nvPr/>
+        </p:nvSpPr>
+        <p:spPr>
+          <a:xfrm>
+            <a:off x="2865014" y="2253810"/>
+            <a:ext cx="589473" cy="889082"/>
+          </a:xfrm>
+          <a:prstGeom prst="rect">
+            <a:avLst/>
+          </a:prstGeom>
+        </p:spPr>
+        <p:style>
+          <a:lnRef idx="2">
+            <a:schemeClr val="dk1"/>
+          </a:lnRef>
+          <a:fillRef idx="1">
+            <a:schemeClr val="lt1"/>
+          </a:fillRef>
+          <a:effectRef idx="0">
+            <a:schemeClr val="dk1"/>
+          </a:effectRef>
+          <a:fontRef idx="minor">
+            <a:schemeClr val="dk1"/>
+          </a:fontRef>
+        </p:style>
+        <p:txBody>
+          <a:bodyPr rtlCol="0" anchor="ctr"/>
+          <a:lstStyle/>
+          <a:p>
+            <a:pPr algn="ctr"/>
+            <a:r>
+              <a:rPr lang="en-US" altLang="zh-TW" sz="1000" dirty="0"/>
+              <a:t>Hazard</a:t>
+            </a:r>
+          </a:p>
+          <a:p>
+            <a:pPr algn="ctr"/>
+            <a:r>
+              <a:rPr lang="en-US" altLang="zh-TW" sz="1000" dirty="0"/>
+              <a:t>detect</a:t>
+            </a:r>
+            <a:endParaRPr lang="zh-TW" altLang="en-US" sz="1000" dirty="0"/>
+          </a:p>
+        </p:txBody>
+      </p:sp>
+      <p:sp>
+        <p:nvSpPr>
+          <p:cNvPr id="8" name="Rectangle 7">
+            <a:extLst>
+              <a:ext uri="{FF2B5EF4-FFF2-40B4-BE49-F238E27FC236}">
+                <a16:creationId xmlns:a16="http://schemas.microsoft.com/office/drawing/2014/main" id="{60BE497D-6AFE-5810-9E45-CB6358934FBA}"/>
+              </a:ext>
+            </a:extLst>
+          </p:cNvPr>
+          <p:cNvSpPr/>
+          <p:nvPr/>
+        </p:nvSpPr>
+        <p:spPr>
+          <a:xfrm>
+            <a:off x="4014153" y="2866705"/>
+            <a:ext cx="1227830" cy="1124589"/>
+          </a:xfrm>
+          <a:prstGeom prst="rect">
+            <a:avLst/>
+          </a:prstGeom>
+        </p:spPr>
+        <p:style>
+          <a:lnRef idx="2">
+            <a:schemeClr val="dk1"/>
+          </a:lnRef>
+          <a:fillRef idx="1">
+            <a:schemeClr val="lt1"/>
+          </a:fillRef>
+          <a:effectRef idx="0">
+            <a:schemeClr val="dk1"/>
+          </a:effectRef>
+          <a:fontRef idx="minor">
+            <a:schemeClr val="dk1"/>
+          </a:fontRef>
+        </p:style>
+        <p:txBody>
+          <a:bodyPr rtlCol="0" anchor="ctr"/>
+          <a:lstStyle/>
+          <a:p>
+            <a:pPr algn="ctr"/>
+            <a:r>
+              <a:rPr lang="en-US" altLang="zh-TW" sz="1000" dirty="0"/>
+              <a:t>Register</a:t>
+            </a:r>
+          </a:p>
+          <a:p>
+            <a:pPr algn="ctr"/>
+            <a:r>
+              <a:rPr lang="en-US" altLang="zh-TW" sz="1000" dirty="0"/>
+              <a:t>file</a:t>
+            </a:r>
+            <a:endParaRPr lang="zh-TW" altLang="en-US" sz="1000" dirty="0"/>
+          </a:p>
+        </p:txBody>
+      </p:sp>
+      <p:sp>
+        <p:nvSpPr>
+          <p:cNvPr id="11" name="Flowchart: Manual Operation 10">
+            <a:extLst>
+              <a:ext uri="{FF2B5EF4-FFF2-40B4-BE49-F238E27FC236}">
+                <a16:creationId xmlns:a16="http://schemas.microsoft.com/office/drawing/2014/main" id="{B3D2596B-D9C7-F740-97D7-A301259F2E9B}"/>
+              </a:ext>
+            </a:extLst>
+          </p:cNvPr>
+          <p:cNvSpPr/>
+          <p:nvPr/>
+        </p:nvSpPr>
+        <p:spPr>
+          <a:xfrm rot="16200000">
+            <a:off x="6015187" y="2380731"/>
+            <a:ext cx="1837427" cy="1383697"/>
+          </a:xfrm>
+          <a:prstGeom prst="flowChartManualOperation">
+            <a:avLst/>
+          </a:prstGeom>
+        </p:spPr>
+        <p:style>
+          <a:lnRef idx="2">
+            <a:schemeClr val="dk1"/>
+          </a:lnRef>
+          <a:fillRef idx="1">
+            <a:schemeClr val="lt1"/>
+          </a:fillRef>
+          <a:effectRef idx="0">
+            <a:schemeClr val="dk1"/>
+          </a:effectRef>
+          <a:fontRef idx="minor">
+            <a:schemeClr val="dk1"/>
+          </a:fontRef>
+        </p:style>
+        <p:txBody>
+          <a:bodyPr rtlCol="0" anchor="ctr"/>
+          <a:lstStyle/>
+          <a:p>
+            <a:pPr algn="ctr"/>
+            <a:endParaRPr lang="zh-TW" altLang="en-US"/>
+          </a:p>
+        </p:txBody>
+      </p:sp>
+      <p:sp>
+        <p:nvSpPr>
+          <p:cNvPr id="12" name="Flowchart: Manual Operation 11">
+            <a:extLst>
+              <a:ext uri="{FF2B5EF4-FFF2-40B4-BE49-F238E27FC236}">
+                <a16:creationId xmlns:a16="http://schemas.microsoft.com/office/drawing/2014/main" id="{48662C43-3BC6-A0CA-C030-C0AB3148CFA9}"/>
+              </a:ext>
+            </a:extLst>
+          </p:cNvPr>
+          <p:cNvSpPr/>
+          <p:nvPr/>
+        </p:nvSpPr>
+        <p:spPr>
+          <a:xfrm rot="16200000">
+            <a:off x="5646260" y="3673868"/>
+            <a:ext cx="497316" cy="193504"/>
+          </a:xfrm>
+          <a:prstGeom prst="flowChartManualOperation">
+            <a:avLst/>
+          </a:prstGeom>
+        </p:spPr>
+        <p:style>
+          <a:lnRef idx="2">
+            <a:schemeClr val="dk1"/>
+          </a:lnRef>
+          <a:fillRef idx="1">
+            <a:schemeClr val="lt1"/>
+          </a:fillRef>
+          <a:effectRef idx="0">
+            <a:schemeClr val="dk1"/>
+          </a:effectRef>
+          <a:fontRef idx="minor">
+            <a:schemeClr val="dk1"/>
+          </a:fontRef>
+        </p:style>
+        <p:txBody>
+          <a:bodyPr rtlCol="0" anchor="ctr"/>
+          <a:lstStyle/>
+          <a:p>
+            <a:pPr algn="ctr"/>
+            <a:endParaRPr lang="zh-TW" altLang="en-US"/>
+          </a:p>
+        </p:txBody>
+      </p:sp>
+      <p:sp>
+        <p:nvSpPr>
+          <p:cNvPr id="13" name="Rectangle 12">
+            <a:extLst>
+              <a:ext uri="{FF2B5EF4-FFF2-40B4-BE49-F238E27FC236}">
+                <a16:creationId xmlns:a16="http://schemas.microsoft.com/office/drawing/2014/main" id="{B9C25A44-2861-F460-26BB-DB082D1C7E6F}"/>
+              </a:ext>
+            </a:extLst>
+          </p:cNvPr>
+          <p:cNvSpPr/>
+          <p:nvPr/>
+        </p:nvSpPr>
+        <p:spPr>
+          <a:xfrm>
+            <a:off x="8354024" y="3001220"/>
+            <a:ext cx="1476162" cy="1605286"/>
+          </a:xfrm>
+          <a:prstGeom prst="rect">
+            <a:avLst/>
+          </a:prstGeom>
+        </p:spPr>
+        <p:style>
+          <a:lnRef idx="2">
+            <a:schemeClr val="dk1"/>
+          </a:lnRef>
+          <a:fillRef idx="1">
+            <a:schemeClr val="lt1"/>
+          </a:fillRef>
+          <a:effectRef idx="0">
+            <a:schemeClr val="dk1"/>
+          </a:effectRef>
+          <a:fontRef idx="minor">
+            <a:schemeClr val="dk1"/>
+          </a:fontRef>
+        </p:style>
+        <p:txBody>
+          <a:bodyPr rtlCol="0" anchor="ctr"/>
+          <a:lstStyle/>
+          <a:p>
+            <a:pPr algn="ctr"/>
+            <a:r>
+              <a:rPr lang="en-US" altLang="zh-TW" sz="1000" dirty="0"/>
+              <a:t>Data</a:t>
+            </a:r>
+          </a:p>
+          <a:p>
+            <a:pPr algn="ctr"/>
+            <a:r>
+              <a:rPr lang="en-US" altLang="zh-TW" sz="1000" dirty="0"/>
+              <a:t>memory</a:t>
+            </a:r>
+          </a:p>
+        </p:txBody>
+      </p:sp>
+      <p:sp>
+        <p:nvSpPr>
+          <p:cNvPr id="14" name="Flowchart: Manual Operation 13">
+            <a:extLst>
+              <a:ext uri="{FF2B5EF4-FFF2-40B4-BE49-F238E27FC236}">
+                <a16:creationId xmlns:a16="http://schemas.microsoft.com/office/drawing/2014/main" id="{8212DE23-4ACE-D5DB-2E89-C2B420DC8E81}"/>
+              </a:ext>
+            </a:extLst>
+          </p:cNvPr>
+          <p:cNvSpPr/>
+          <p:nvPr/>
+        </p:nvSpPr>
+        <p:spPr>
+          <a:xfrm rot="16200000">
+            <a:off x="10268803" y="4683790"/>
+            <a:ext cx="497316" cy="193504"/>
+          </a:xfrm>
+          <a:prstGeom prst="flowChartManualOperation">
+            <a:avLst/>
+          </a:prstGeom>
+        </p:spPr>
+        <p:style>
+          <a:lnRef idx="2">
+            <a:schemeClr val="dk1"/>
+          </a:lnRef>
+          <a:fillRef idx="1">
+            <a:schemeClr val="lt1"/>
+          </a:fillRef>
+          <a:effectRef idx="0">
+            <a:schemeClr val="dk1"/>
+          </a:effectRef>
+          <a:fontRef idx="minor">
+            <a:schemeClr val="dk1"/>
+          </a:fontRef>
+        </p:style>
+        <p:txBody>
+          <a:bodyPr rtlCol="0" anchor="ctr"/>
+          <a:lstStyle/>
+          <a:p>
+            <a:pPr algn="ctr"/>
+            <a:endParaRPr lang="zh-TW" altLang="en-US"/>
+          </a:p>
+        </p:txBody>
+      </p:sp>
+      <p:sp>
+        <p:nvSpPr>
+          <p:cNvPr id="15" name="Rectangle 14">
+            <a:extLst>
+              <a:ext uri="{FF2B5EF4-FFF2-40B4-BE49-F238E27FC236}">
+                <a16:creationId xmlns:a16="http://schemas.microsoft.com/office/drawing/2014/main" id="{C6332F19-C541-E03B-9AC7-A52BC577AAF4}"/>
+              </a:ext>
+            </a:extLst>
+          </p:cNvPr>
+          <p:cNvSpPr/>
+          <p:nvPr/>
+        </p:nvSpPr>
+        <p:spPr>
+          <a:xfrm>
+            <a:off x="3520188" y="5465526"/>
+            <a:ext cx="760178" cy="474452"/>
+          </a:xfrm>
+          <a:prstGeom prst="rect">
+            <a:avLst/>
+          </a:prstGeom>
+        </p:spPr>
+        <p:style>
+          <a:lnRef idx="2">
+            <a:schemeClr val="dk1"/>
+          </a:lnRef>
+          <a:fillRef idx="1">
+            <a:schemeClr val="lt1"/>
+          </a:fillRef>
+          <a:effectRef idx="0">
+            <a:schemeClr val="dk1"/>
+          </a:effectRef>
+          <a:fontRef idx="minor">
+            <a:schemeClr val="dk1"/>
+          </a:fontRef>
+        </p:style>
+        <p:txBody>
+          <a:bodyPr rtlCol="0" anchor="ctr"/>
+          <a:lstStyle/>
+          <a:p>
+            <a:pPr algn="ctr"/>
+            <a:r>
+              <a:rPr lang="en-US" altLang="zh-TW" sz="1000" dirty="0"/>
+              <a:t>Abandon</a:t>
+            </a:r>
+          </a:p>
+          <a:p>
+            <a:pPr algn="ctr"/>
+            <a:r>
+              <a:rPr lang="en-US" altLang="zh-TW" sz="1000" dirty="0"/>
+              <a:t>data</a:t>
+            </a:r>
+          </a:p>
+        </p:txBody>
+      </p:sp>
+      <p:sp>
+        <p:nvSpPr>
+          <p:cNvPr id="16" name="Rectangle 15">
+            <a:extLst>
+              <a:ext uri="{FF2B5EF4-FFF2-40B4-BE49-F238E27FC236}">
+                <a16:creationId xmlns:a16="http://schemas.microsoft.com/office/drawing/2014/main" id="{DF31493B-079B-C6F7-9250-842AD737C3A1}"/>
+              </a:ext>
+            </a:extLst>
+          </p:cNvPr>
+          <p:cNvSpPr/>
+          <p:nvPr/>
+        </p:nvSpPr>
+        <p:spPr>
+          <a:xfrm>
+            <a:off x="4197759" y="4742250"/>
+            <a:ext cx="589473" cy="286950"/>
+          </a:xfrm>
+          <a:prstGeom prst="rect">
+            <a:avLst/>
+          </a:prstGeom>
+        </p:spPr>
+        <p:style>
+          <a:lnRef idx="2">
+            <a:schemeClr val="dk1"/>
+          </a:lnRef>
+          <a:fillRef idx="1">
+            <a:schemeClr val="lt1"/>
+          </a:fillRef>
+          <a:effectRef idx="0">
+            <a:schemeClr val="dk1"/>
+          </a:effectRef>
+          <a:fontRef idx="minor">
+            <a:schemeClr val="dk1"/>
+          </a:fontRef>
+        </p:style>
+        <p:txBody>
+          <a:bodyPr rtlCol="0" anchor="ctr"/>
+          <a:lstStyle/>
+          <a:p>
+            <a:pPr algn="ctr"/>
+            <a:r>
+              <a:rPr lang="en-US" altLang="zh-TW" sz="1000" dirty="0"/>
+              <a:t>extend</a:t>
+            </a:r>
+            <a:endParaRPr lang="zh-TW" altLang="en-US" sz="1000" dirty="0"/>
+          </a:p>
+        </p:txBody>
+      </p:sp>
+      <p:sp>
+        <p:nvSpPr>
+          <p:cNvPr id="17" name="Flowchart: Manual Operation 16">
+            <a:extLst>
+              <a:ext uri="{FF2B5EF4-FFF2-40B4-BE49-F238E27FC236}">
+                <a16:creationId xmlns:a16="http://schemas.microsoft.com/office/drawing/2014/main" id="{166A57B9-C533-5E55-2E8F-9A46B4FE0E21}"/>
+              </a:ext>
+            </a:extLst>
+          </p:cNvPr>
+          <p:cNvSpPr/>
+          <p:nvPr/>
+        </p:nvSpPr>
+        <p:spPr>
+          <a:xfrm rot="16200000">
+            <a:off x="2015955" y="1019091"/>
+            <a:ext cx="686606" cy="345096"/>
+          </a:xfrm>
+          <a:prstGeom prst="flowChartManualOperation">
+            <a:avLst/>
+          </a:prstGeom>
+        </p:spPr>
+        <p:style>
+          <a:lnRef idx="2">
+            <a:schemeClr val="dk1"/>
+          </a:lnRef>
+          <a:fillRef idx="1">
+            <a:schemeClr val="lt1"/>
+          </a:fillRef>
+          <a:effectRef idx="0">
+            <a:schemeClr val="dk1"/>
+          </a:effectRef>
+          <a:fontRef idx="minor">
+            <a:schemeClr val="dk1"/>
+          </a:fontRef>
+        </p:style>
+        <p:txBody>
+          <a:bodyPr rtlCol="0" anchor="ctr"/>
+          <a:lstStyle/>
+          <a:p>
+            <a:pPr algn="ctr"/>
+            <a:endParaRPr lang="en-US" altLang="zh-TW" dirty="0"/>
+          </a:p>
+        </p:txBody>
+      </p:sp>
+      <p:sp>
+        <p:nvSpPr>
+          <p:cNvPr id="18" name="Flowchart: Manual Operation 17">
+            <a:extLst>
+              <a:ext uri="{FF2B5EF4-FFF2-40B4-BE49-F238E27FC236}">
+                <a16:creationId xmlns:a16="http://schemas.microsoft.com/office/drawing/2014/main" id="{79B7BE95-94CB-C3B3-097E-8C303B785B0B}"/>
+              </a:ext>
+            </a:extLst>
+          </p:cNvPr>
+          <p:cNvSpPr/>
+          <p:nvPr/>
+        </p:nvSpPr>
+        <p:spPr>
+          <a:xfrm rot="16200000">
+            <a:off x="5564382" y="1366367"/>
+            <a:ext cx="778059" cy="345096"/>
+          </a:xfrm>
+          <a:prstGeom prst="flowChartManualOperation">
+            <a:avLst/>
+          </a:prstGeom>
+        </p:spPr>
+        <p:style>
+          <a:lnRef idx="2">
+            <a:schemeClr val="dk1"/>
+          </a:lnRef>
+          <a:fillRef idx="1">
+            <a:schemeClr val="lt1"/>
+          </a:fillRef>
+          <a:effectRef idx="0">
+            <a:schemeClr val="dk1"/>
+          </a:effectRef>
+          <a:fontRef idx="minor">
+            <a:schemeClr val="dk1"/>
+          </a:fontRef>
+        </p:style>
+        <p:txBody>
+          <a:bodyPr rtlCol="0" anchor="ctr"/>
+          <a:lstStyle/>
+          <a:p>
+            <a:pPr algn="ctr"/>
+            <a:endParaRPr lang="zh-TW" altLang="en-US"/>
+          </a:p>
+        </p:txBody>
+      </p:sp>
+      <p:sp>
+        <p:nvSpPr>
+          <p:cNvPr id="19" name="Flowchart: Manual Operation 18">
+            <a:extLst>
+              <a:ext uri="{FF2B5EF4-FFF2-40B4-BE49-F238E27FC236}">
+                <a16:creationId xmlns:a16="http://schemas.microsoft.com/office/drawing/2014/main" id="{3113DC12-7710-AF87-CE95-1E0A5277F5A3}"/>
+              </a:ext>
+            </a:extLst>
+          </p:cNvPr>
+          <p:cNvSpPr/>
+          <p:nvPr/>
+        </p:nvSpPr>
+        <p:spPr>
+          <a:xfrm rot="16200000">
+            <a:off x="6560989" y="1117065"/>
+            <a:ext cx="778059" cy="345096"/>
+          </a:xfrm>
+          <a:prstGeom prst="flowChartManualOperation">
+            <a:avLst/>
+          </a:prstGeom>
+        </p:spPr>
+        <p:style>
+          <a:lnRef idx="2">
+            <a:schemeClr val="dk1"/>
+          </a:lnRef>
+          <a:fillRef idx="1">
+            <a:schemeClr val="lt1"/>
+          </a:fillRef>
+          <a:effectRef idx="0">
+            <a:schemeClr val="dk1"/>
+          </a:effectRef>
+          <a:fontRef idx="minor">
+            <a:schemeClr val="dk1"/>
+          </a:fontRef>
+        </p:style>
+        <p:txBody>
+          <a:bodyPr rtlCol="0" anchor="ctr"/>
+          <a:lstStyle/>
+          <a:p>
+            <a:pPr algn="ctr"/>
+            <a:endParaRPr lang="zh-TW" altLang="en-US"/>
+          </a:p>
+        </p:txBody>
+      </p:sp>
+      <p:sp>
+        <p:nvSpPr>
+          <p:cNvPr id="20" name="Flowchart: Manual Operation 19">
+            <a:extLst>
+              <a:ext uri="{FF2B5EF4-FFF2-40B4-BE49-F238E27FC236}">
+                <a16:creationId xmlns:a16="http://schemas.microsoft.com/office/drawing/2014/main" id="{6D082002-AD40-7594-052C-55BBA22D8543}"/>
+              </a:ext>
+            </a:extLst>
+          </p:cNvPr>
+          <p:cNvSpPr/>
+          <p:nvPr/>
+        </p:nvSpPr>
+        <p:spPr>
+          <a:xfrm rot="16200000">
+            <a:off x="7310496" y="874745"/>
+            <a:ext cx="778059" cy="345096"/>
+          </a:xfrm>
+          <a:prstGeom prst="flowChartManualOperation">
+            <a:avLst/>
+          </a:prstGeom>
+        </p:spPr>
+        <p:style>
+          <a:lnRef idx="2">
+            <a:schemeClr val="dk1"/>
+          </a:lnRef>
+          <a:fillRef idx="1">
+            <a:schemeClr val="lt1"/>
+          </a:fillRef>
+          <a:effectRef idx="0">
+            <a:schemeClr val="dk1"/>
+          </a:effectRef>
+          <a:fontRef idx="minor">
+            <a:schemeClr val="dk1"/>
+          </a:fontRef>
+        </p:style>
+        <p:txBody>
+          <a:bodyPr rtlCol="0" anchor="ctr"/>
+          <a:lstStyle/>
+          <a:p>
+            <a:pPr algn="ctr"/>
+            <a:endParaRPr lang="zh-TW" altLang="en-US"/>
+          </a:p>
+        </p:txBody>
+      </p:sp>
+      <p:sp>
+        <p:nvSpPr>
+          <p:cNvPr id="21" name="TextBox 20">
+            <a:extLst>
+              <a:ext uri="{FF2B5EF4-FFF2-40B4-BE49-F238E27FC236}">
+                <a16:creationId xmlns:a16="http://schemas.microsoft.com/office/drawing/2014/main" id="{96C66509-5D30-6787-60DA-E20207ECBBB5}"/>
+              </a:ext>
+            </a:extLst>
+          </p:cNvPr>
+          <p:cNvSpPr txBox="1"/>
+          <p:nvPr/>
+        </p:nvSpPr>
+        <p:spPr>
+          <a:xfrm>
+            <a:off x="1917844" y="1226965"/>
+            <a:ext cx="301686" cy="369332"/>
+          </a:xfrm>
+          <a:prstGeom prst="rect">
+            <a:avLst/>
+          </a:prstGeom>
+          <a:noFill/>
+        </p:spPr>
+        <p:txBody>
+          <a:bodyPr wrap="none" rtlCol="0">
+            <a:spAutoFit/>
+          </a:bodyPr>
+          <a:lstStyle/>
+          <a:p>
+            <a:r>
+              <a:rPr lang="en-US" altLang="zh-TW" dirty="0"/>
+              <a:t>4</a:t>
+            </a:r>
+          </a:p>
+        </p:txBody>
+      </p:sp>
+      <p:cxnSp>
+        <p:nvCxnSpPr>
+          <p:cNvPr id="23" name="Straight Arrow Connector 22">
+            <a:extLst>
+              <a:ext uri="{FF2B5EF4-FFF2-40B4-BE49-F238E27FC236}">
+                <a16:creationId xmlns:a16="http://schemas.microsoft.com/office/drawing/2014/main" id="{8F9A167F-D7F1-7393-8CAF-58177FC3DBCB}"/>
+              </a:ext>
+            </a:extLst>
+          </p:cNvPr>
+          <p:cNvCxnSpPr/>
+          <p:nvPr/>
+        </p:nvCxnSpPr>
+        <p:spPr>
+          <a:xfrm>
+            <a:off x="1035171" y="2698351"/>
+            <a:ext cx="385313" cy="0"/>
+          </a:xfrm>
+          <a:prstGeom prst="straightConnector1">
+            <a:avLst/>
+          </a:prstGeom>
+          <a:ln>
+            <a:tailEnd type="triangle"/>
+          </a:ln>
+        </p:spPr>
+        <p:style>
+          <a:lnRef idx="1">
+            <a:schemeClr val="accent1"/>
+          </a:lnRef>
+          <a:fillRef idx="0">
+            <a:schemeClr val="accent1"/>
+          </a:fillRef>
+          <a:effectRef idx="0">
+            <a:schemeClr val="accent1"/>
+          </a:effectRef>
+          <a:fontRef idx="minor">
+            <a:schemeClr val="tx1"/>
+          </a:fontRef>
+        </p:style>
+      </p:cxnSp>
+      <p:cxnSp>
+        <p:nvCxnSpPr>
+          <p:cNvPr id="25" name="Straight Arrow Connector 24">
+            <a:extLst>
+              <a:ext uri="{FF2B5EF4-FFF2-40B4-BE49-F238E27FC236}">
+                <a16:creationId xmlns:a16="http://schemas.microsoft.com/office/drawing/2014/main" id="{343196E5-0901-0A8E-B3B1-CB499B914508}"/>
+              </a:ext>
+            </a:extLst>
+          </p:cNvPr>
+          <p:cNvCxnSpPr>
+            <a:cxnSpLocks/>
+            <a:endCxn id="7" idx="1"/>
+          </p:cNvCxnSpPr>
+          <p:nvPr/>
+        </p:nvCxnSpPr>
+        <p:spPr>
+          <a:xfrm flipV="1">
+            <a:off x="2546956" y="2698351"/>
+            <a:ext cx="318058" cy="6509"/>
+          </a:xfrm>
+          <a:prstGeom prst="straightConnector1">
+            <a:avLst/>
+          </a:prstGeom>
+          <a:ln>
+            <a:tailEnd type="triangle"/>
+          </a:ln>
+        </p:spPr>
+        <p:style>
+          <a:lnRef idx="1">
+            <a:schemeClr val="accent1"/>
+          </a:lnRef>
+          <a:fillRef idx="0">
+            <a:schemeClr val="accent1"/>
+          </a:fillRef>
+          <a:effectRef idx="0">
+            <a:schemeClr val="accent1"/>
+          </a:effectRef>
+          <a:fontRef idx="minor">
+            <a:schemeClr val="tx1"/>
+          </a:fontRef>
+        </p:style>
+      </p:cxnSp>
+      <p:cxnSp>
+        <p:nvCxnSpPr>
+          <p:cNvPr id="30" name="Connector: Elbow 29">
+            <a:extLst>
+              <a:ext uri="{FF2B5EF4-FFF2-40B4-BE49-F238E27FC236}">
+                <a16:creationId xmlns:a16="http://schemas.microsoft.com/office/drawing/2014/main" id="{64EF6EF4-6297-D779-BCC1-A6AFA2DD5F02}"/>
+              </a:ext>
+            </a:extLst>
+          </p:cNvPr>
+          <p:cNvCxnSpPr>
+            <a:cxnSpLocks/>
+          </p:cNvCxnSpPr>
+          <p:nvPr/>
+        </p:nvCxnSpPr>
+        <p:spPr>
+          <a:xfrm>
+            <a:off x="3461499" y="2331870"/>
+            <a:ext cx="877559" cy="534835"/>
+          </a:xfrm>
+          <a:prstGeom prst="bentConnector3">
+            <a:avLst>
+              <a:gd name="adj1" fmla="val 100133"/>
+            </a:avLst>
+          </a:prstGeom>
+          <a:ln>
+            <a:tailEnd type="triangle"/>
+          </a:ln>
+        </p:spPr>
+        <p:style>
+          <a:lnRef idx="1">
+            <a:schemeClr val="accent1"/>
+          </a:lnRef>
+          <a:fillRef idx="0">
+            <a:schemeClr val="accent1"/>
+          </a:fillRef>
+          <a:effectRef idx="0">
+            <a:schemeClr val="accent1"/>
+          </a:effectRef>
+          <a:fontRef idx="minor">
+            <a:schemeClr val="tx1"/>
+          </a:fontRef>
+        </p:style>
+      </p:cxnSp>
+      <p:cxnSp>
+        <p:nvCxnSpPr>
+          <p:cNvPr id="35" name="Connector: Elbow 34">
+            <a:extLst>
+              <a:ext uri="{FF2B5EF4-FFF2-40B4-BE49-F238E27FC236}">
+                <a16:creationId xmlns:a16="http://schemas.microsoft.com/office/drawing/2014/main" id="{6C54FE65-7A18-C30E-6674-47BA55E9935D}"/>
+              </a:ext>
+            </a:extLst>
+          </p:cNvPr>
+          <p:cNvCxnSpPr>
+            <a:cxnSpLocks/>
+          </p:cNvCxnSpPr>
+          <p:nvPr/>
+        </p:nvCxnSpPr>
+        <p:spPr>
+          <a:xfrm rot="16200000" flipH="1">
+            <a:off x="4205761" y="2460829"/>
+            <a:ext cx="534836" cy="273563"/>
+          </a:xfrm>
+          <a:prstGeom prst="bentConnector3">
+            <a:avLst>
+              <a:gd name="adj1" fmla="val 720"/>
+            </a:avLst>
+          </a:prstGeom>
+          <a:ln>
+            <a:tailEnd type="triangle"/>
+          </a:ln>
+        </p:spPr>
+        <p:style>
+          <a:lnRef idx="1">
+            <a:schemeClr val="accent1"/>
+          </a:lnRef>
+          <a:fillRef idx="0">
+            <a:schemeClr val="accent1"/>
+          </a:fillRef>
+          <a:effectRef idx="0">
+            <a:schemeClr val="accent1"/>
+          </a:effectRef>
+          <a:fontRef idx="minor">
+            <a:schemeClr val="tx1"/>
+          </a:fontRef>
+        </p:style>
+      </p:cxnSp>
+      <p:sp>
+        <p:nvSpPr>
+          <p:cNvPr id="45" name="Flowchart: Manual Operation 44">
+            <a:extLst>
+              <a:ext uri="{FF2B5EF4-FFF2-40B4-BE49-F238E27FC236}">
+                <a16:creationId xmlns:a16="http://schemas.microsoft.com/office/drawing/2014/main" id="{3D7CEA7E-826C-1DB1-F6B2-24FD900670F1}"/>
+              </a:ext>
+            </a:extLst>
+          </p:cNvPr>
+          <p:cNvSpPr/>
+          <p:nvPr/>
+        </p:nvSpPr>
+        <p:spPr>
+          <a:xfrm>
+            <a:off x="4741472" y="2533325"/>
+            <a:ext cx="344603" cy="165026"/>
+          </a:xfrm>
+          <a:prstGeom prst="flowChartManualOperation">
+            <a:avLst/>
+          </a:prstGeom>
+        </p:spPr>
+        <p:style>
+          <a:lnRef idx="2">
+            <a:schemeClr val="dk1"/>
+          </a:lnRef>
+          <a:fillRef idx="1">
+            <a:schemeClr val="lt1"/>
+          </a:fillRef>
+          <a:effectRef idx="0">
+            <a:schemeClr val="dk1"/>
+          </a:effectRef>
+          <a:fontRef idx="minor">
+            <a:schemeClr val="dk1"/>
+          </a:fontRef>
+        </p:style>
+        <p:txBody>
+          <a:bodyPr rtlCol="0" anchor="ctr"/>
+          <a:lstStyle/>
+          <a:p>
+            <a:pPr algn="ctr"/>
+            <a:endParaRPr lang="zh-TW" altLang="en-US"/>
+          </a:p>
+        </p:txBody>
+      </p:sp>
+      <p:cxnSp>
+        <p:nvCxnSpPr>
+          <p:cNvPr id="47" name="Straight Arrow Connector 46">
+            <a:extLst>
+              <a:ext uri="{FF2B5EF4-FFF2-40B4-BE49-F238E27FC236}">
+                <a16:creationId xmlns:a16="http://schemas.microsoft.com/office/drawing/2014/main" id="{D216B4C8-7893-170F-C720-BEE91BE65757}"/>
+              </a:ext>
+            </a:extLst>
+          </p:cNvPr>
+          <p:cNvCxnSpPr>
+            <a:stCxn id="45" idx="2"/>
+          </p:cNvCxnSpPr>
+          <p:nvPr/>
+        </p:nvCxnSpPr>
+        <p:spPr>
+          <a:xfrm flipH="1">
+            <a:off x="4913773" y="2698351"/>
+            <a:ext cx="1" cy="168354"/>
+          </a:xfrm>
+          <a:prstGeom prst="straightConnector1">
+            <a:avLst/>
+          </a:prstGeom>
+          <a:ln>
+            <a:tailEnd type="triangle"/>
+          </a:ln>
+        </p:spPr>
+        <p:style>
+          <a:lnRef idx="1">
+            <a:schemeClr val="accent1"/>
+          </a:lnRef>
+          <a:fillRef idx="0">
+            <a:schemeClr val="accent1"/>
+          </a:fillRef>
+          <a:effectRef idx="0">
+            <a:schemeClr val="accent1"/>
+          </a:effectRef>
+          <a:fontRef idx="minor">
+            <a:schemeClr val="tx1"/>
+          </a:fontRef>
+        </p:style>
+      </p:cxnSp>
+      <p:cxnSp>
+        <p:nvCxnSpPr>
+          <p:cNvPr id="49" name="Connector: Elbow 48">
+            <a:extLst>
+              <a:ext uri="{FF2B5EF4-FFF2-40B4-BE49-F238E27FC236}">
+                <a16:creationId xmlns:a16="http://schemas.microsoft.com/office/drawing/2014/main" id="{A4381060-1C0D-96A0-CC7F-B2CAA1B05DBD}"/>
+              </a:ext>
+            </a:extLst>
+          </p:cNvPr>
+          <p:cNvCxnSpPr>
+            <a:endCxn id="45" idx="0"/>
+          </p:cNvCxnSpPr>
+          <p:nvPr/>
+        </p:nvCxnSpPr>
+        <p:spPr>
+          <a:xfrm>
+            <a:off x="4613789" y="2331869"/>
+            <a:ext cx="299985" cy="201456"/>
+          </a:xfrm>
+          <a:prstGeom prst="bentConnector2">
+            <a:avLst/>
+          </a:prstGeom>
+        </p:spPr>
+        <p:style>
+          <a:lnRef idx="1">
+            <a:schemeClr val="accent1"/>
+          </a:lnRef>
+          <a:fillRef idx="0">
+            <a:schemeClr val="accent1"/>
+          </a:fillRef>
+          <a:effectRef idx="0">
+            <a:schemeClr val="accent1"/>
+          </a:effectRef>
+          <a:fontRef idx="minor">
+            <a:schemeClr val="tx1"/>
+          </a:fontRef>
+        </p:style>
+      </p:cxnSp>
+      <p:cxnSp>
+        <p:nvCxnSpPr>
+          <p:cNvPr id="51" name="Connector: Elbow 50">
+            <a:extLst>
+              <a:ext uri="{FF2B5EF4-FFF2-40B4-BE49-F238E27FC236}">
+                <a16:creationId xmlns:a16="http://schemas.microsoft.com/office/drawing/2014/main" id="{29E2C191-9E57-9183-79DA-F4F67FE48ECE}"/>
+              </a:ext>
+            </a:extLst>
+          </p:cNvPr>
+          <p:cNvCxnSpPr>
+            <a:cxnSpLocks/>
+          </p:cNvCxnSpPr>
+          <p:nvPr/>
+        </p:nvCxnSpPr>
+        <p:spPr>
+          <a:xfrm>
+            <a:off x="4609961" y="2424023"/>
+            <a:ext cx="238057" cy="104961"/>
+          </a:xfrm>
+          <a:prstGeom prst="bentConnector3">
+            <a:avLst>
+              <a:gd name="adj1" fmla="val 103349"/>
+            </a:avLst>
+          </a:prstGeom>
+        </p:spPr>
+        <p:style>
+          <a:lnRef idx="1">
+            <a:schemeClr val="accent1"/>
+          </a:lnRef>
+          <a:fillRef idx="0">
+            <a:schemeClr val="accent1"/>
+          </a:fillRef>
+          <a:effectRef idx="0">
+            <a:schemeClr val="accent1"/>
+          </a:effectRef>
+          <a:fontRef idx="minor">
+            <a:schemeClr val="tx1"/>
+          </a:fontRef>
+        </p:style>
+      </p:cxnSp>
+      <p:cxnSp>
+        <p:nvCxnSpPr>
+          <p:cNvPr id="55" name="Connector: Elbow 54">
+            <a:extLst>
+              <a:ext uri="{FF2B5EF4-FFF2-40B4-BE49-F238E27FC236}">
+                <a16:creationId xmlns:a16="http://schemas.microsoft.com/office/drawing/2014/main" id="{FD1A6865-9C41-B9C0-1580-CA2D42943F4C}"/>
+              </a:ext>
+            </a:extLst>
+          </p:cNvPr>
+          <p:cNvCxnSpPr>
+            <a:cxnSpLocks/>
+          </p:cNvCxnSpPr>
+          <p:nvPr/>
+        </p:nvCxnSpPr>
+        <p:spPr>
+          <a:xfrm rot="5400000" flipH="1" flipV="1">
+            <a:off x="898799" y="1413757"/>
+            <a:ext cx="1579163" cy="990027"/>
+          </a:xfrm>
+          <a:prstGeom prst="bentConnector3">
+            <a:avLst>
+              <a:gd name="adj1" fmla="val 100063"/>
+            </a:avLst>
+          </a:prstGeom>
+          <a:ln>
+            <a:tailEnd type="triangle"/>
+          </a:ln>
+        </p:spPr>
+        <p:style>
+          <a:lnRef idx="1">
+            <a:schemeClr val="accent1"/>
+          </a:lnRef>
+          <a:fillRef idx="0">
+            <a:schemeClr val="accent1"/>
+          </a:fillRef>
+          <a:effectRef idx="0">
+            <a:schemeClr val="accent1"/>
+          </a:effectRef>
+          <a:fontRef idx="minor">
+            <a:schemeClr val="tx1"/>
+          </a:fontRef>
+        </p:style>
+      </p:cxnSp>
+      <p:sp>
+        <p:nvSpPr>
+          <p:cNvPr id="60" name="TextBox 59">
+            <a:extLst>
+              <a:ext uri="{FF2B5EF4-FFF2-40B4-BE49-F238E27FC236}">
+                <a16:creationId xmlns:a16="http://schemas.microsoft.com/office/drawing/2014/main" id="{0E6C7CE6-4103-F553-095C-35F00E9FCCC5}"/>
+              </a:ext>
+            </a:extLst>
+          </p:cNvPr>
+          <p:cNvSpPr txBox="1"/>
+          <p:nvPr/>
+        </p:nvSpPr>
+        <p:spPr>
+          <a:xfrm>
+            <a:off x="2153428" y="1079650"/>
+            <a:ext cx="504470" cy="276999"/>
+          </a:xfrm>
+          <a:prstGeom prst="rect">
+            <a:avLst/>
+          </a:prstGeom>
+          <a:noFill/>
+        </p:spPr>
+        <p:txBody>
+          <a:bodyPr wrap="square" rtlCol="0">
+            <a:spAutoFit/>
+          </a:bodyPr>
+          <a:lstStyle/>
+          <a:p>
+            <a:r>
+              <a:rPr lang="en-US" altLang="zh-TW" sz="1200" dirty="0"/>
+              <a:t>add</a:t>
+            </a:r>
+            <a:endParaRPr lang="zh-TW" altLang="en-US" sz="1200" dirty="0"/>
+          </a:p>
+        </p:txBody>
+      </p:sp>
+      <p:cxnSp>
+        <p:nvCxnSpPr>
+          <p:cNvPr id="62" name="Straight Arrow Connector 61">
+            <a:extLst>
+              <a:ext uri="{FF2B5EF4-FFF2-40B4-BE49-F238E27FC236}">
+                <a16:creationId xmlns:a16="http://schemas.microsoft.com/office/drawing/2014/main" id="{085259E2-EB48-2C72-E3BD-5B4274C5D972}"/>
+              </a:ext>
+            </a:extLst>
+          </p:cNvPr>
+          <p:cNvCxnSpPr>
+            <a:cxnSpLocks/>
+          </p:cNvCxnSpPr>
+          <p:nvPr/>
+        </p:nvCxnSpPr>
+        <p:spPr>
+          <a:xfrm flipV="1">
+            <a:off x="2531806" y="1032993"/>
+            <a:ext cx="4241707" cy="14300"/>
+          </a:xfrm>
+          <a:prstGeom prst="straightConnector1">
+            <a:avLst/>
+          </a:prstGeom>
+          <a:ln>
+            <a:tailEnd type="triangle"/>
+          </a:ln>
+        </p:spPr>
+        <p:style>
+          <a:lnRef idx="1">
+            <a:schemeClr val="accent1"/>
+          </a:lnRef>
+          <a:fillRef idx="0">
+            <a:schemeClr val="accent1"/>
+          </a:fillRef>
+          <a:effectRef idx="0">
+            <a:schemeClr val="accent1"/>
+          </a:effectRef>
+          <a:fontRef idx="minor">
+            <a:schemeClr val="tx1"/>
+          </a:fontRef>
+        </p:style>
+      </p:cxnSp>
+      <p:cxnSp>
+        <p:nvCxnSpPr>
+          <p:cNvPr id="64" name="Connector: Elbow 63">
+            <a:extLst>
+              <a:ext uri="{FF2B5EF4-FFF2-40B4-BE49-F238E27FC236}">
+                <a16:creationId xmlns:a16="http://schemas.microsoft.com/office/drawing/2014/main" id="{E11D56DE-4419-C1FF-81C9-AC0F211C609A}"/>
+              </a:ext>
+            </a:extLst>
+          </p:cNvPr>
+          <p:cNvCxnSpPr>
+            <a:cxnSpLocks/>
+          </p:cNvCxnSpPr>
+          <p:nvPr/>
+        </p:nvCxnSpPr>
+        <p:spPr>
+          <a:xfrm rot="16200000" flipH="1">
+            <a:off x="5359401" y="1109560"/>
+            <a:ext cx="514477" cy="354851"/>
+          </a:xfrm>
+          <a:prstGeom prst="bentConnector3">
+            <a:avLst>
+              <a:gd name="adj1" fmla="val 99988"/>
+            </a:avLst>
+          </a:prstGeom>
+          <a:ln>
+            <a:tailEnd type="triangle"/>
+          </a:ln>
+        </p:spPr>
+        <p:style>
+          <a:lnRef idx="1">
+            <a:schemeClr val="accent1"/>
+          </a:lnRef>
+          <a:fillRef idx="0">
+            <a:schemeClr val="accent1"/>
+          </a:fillRef>
+          <a:effectRef idx="0">
+            <a:schemeClr val="accent1"/>
+          </a:effectRef>
+          <a:fontRef idx="minor">
+            <a:schemeClr val="tx1"/>
+          </a:fontRef>
+        </p:style>
+      </p:cxnSp>
+      <p:cxnSp>
+        <p:nvCxnSpPr>
+          <p:cNvPr id="69" name="Connector: Elbow 68">
+            <a:extLst>
+              <a:ext uri="{FF2B5EF4-FFF2-40B4-BE49-F238E27FC236}">
+                <a16:creationId xmlns:a16="http://schemas.microsoft.com/office/drawing/2014/main" id="{B28F81B7-B60E-541D-6A29-E5993B890EDF}"/>
+              </a:ext>
+            </a:extLst>
+          </p:cNvPr>
+          <p:cNvCxnSpPr>
+            <a:cxnSpLocks/>
+          </p:cNvCxnSpPr>
+          <p:nvPr/>
+        </p:nvCxnSpPr>
+        <p:spPr>
+          <a:xfrm flipV="1">
+            <a:off x="6139780" y="1177717"/>
+            <a:ext cx="633733" cy="373372"/>
+          </a:xfrm>
+          <a:prstGeom prst="bentConnector3">
+            <a:avLst/>
+          </a:prstGeom>
+          <a:ln>
+            <a:tailEnd type="triangle"/>
+          </a:ln>
+        </p:spPr>
+        <p:style>
+          <a:lnRef idx="1">
+            <a:schemeClr val="accent1"/>
+          </a:lnRef>
+          <a:fillRef idx="0">
+            <a:schemeClr val="accent1"/>
+          </a:fillRef>
+          <a:effectRef idx="0">
+            <a:schemeClr val="accent1"/>
+          </a:effectRef>
+          <a:fontRef idx="minor">
+            <a:schemeClr val="tx1"/>
+          </a:fontRef>
+        </p:style>
+      </p:cxnSp>
+      <p:cxnSp>
+        <p:nvCxnSpPr>
+          <p:cNvPr id="72" name="Straight Arrow Connector 71">
+            <a:extLst>
+              <a:ext uri="{FF2B5EF4-FFF2-40B4-BE49-F238E27FC236}">
+                <a16:creationId xmlns:a16="http://schemas.microsoft.com/office/drawing/2014/main" id="{FA0DCA75-BB0A-3397-04ED-555D94D3C66C}"/>
+              </a:ext>
+            </a:extLst>
+          </p:cNvPr>
+          <p:cNvCxnSpPr>
+            <a:stCxn id="19" idx="2"/>
+          </p:cNvCxnSpPr>
+          <p:nvPr/>
+        </p:nvCxnSpPr>
+        <p:spPr>
+          <a:xfrm>
+            <a:off x="7122567" y="1289613"/>
+            <a:ext cx="404409" cy="0"/>
+          </a:xfrm>
+          <a:prstGeom prst="straightConnector1">
+            <a:avLst/>
+          </a:prstGeom>
+          <a:ln>
+            <a:tailEnd type="triangle"/>
+          </a:ln>
+        </p:spPr>
+        <p:style>
+          <a:lnRef idx="1">
+            <a:schemeClr val="accent1"/>
+          </a:lnRef>
+          <a:fillRef idx="0">
+            <a:schemeClr val="accent1"/>
+          </a:fillRef>
+          <a:effectRef idx="0">
+            <a:schemeClr val="accent1"/>
+          </a:effectRef>
+          <a:fontRef idx="minor">
+            <a:schemeClr val="tx1"/>
+          </a:fontRef>
+        </p:style>
+      </p:cxnSp>
+      <p:cxnSp>
+        <p:nvCxnSpPr>
+          <p:cNvPr id="74" name="Straight Arrow Connector 73">
+            <a:extLst>
+              <a:ext uri="{FF2B5EF4-FFF2-40B4-BE49-F238E27FC236}">
+                <a16:creationId xmlns:a16="http://schemas.microsoft.com/office/drawing/2014/main" id="{E0C55F9D-1A25-105F-0997-5EEB0C3D7F5A}"/>
+              </a:ext>
+            </a:extLst>
+          </p:cNvPr>
+          <p:cNvCxnSpPr/>
+          <p:nvPr/>
+        </p:nvCxnSpPr>
+        <p:spPr>
+          <a:xfrm>
+            <a:off x="1035171" y="776378"/>
+            <a:ext cx="6491805" cy="0"/>
+          </a:xfrm>
+          <a:prstGeom prst="straightConnector1">
+            <a:avLst/>
+          </a:prstGeom>
+          <a:ln>
+            <a:tailEnd type="triangle"/>
+          </a:ln>
+        </p:spPr>
+        <p:style>
+          <a:lnRef idx="1">
+            <a:schemeClr val="accent1"/>
+          </a:lnRef>
+          <a:fillRef idx="0">
+            <a:schemeClr val="accent1"/>
+          </a:fillRef>
+          <a:effectRef idx="0">
+            <a:schemeClr val="accent1"/>
+          </a:effectRef>
+          <a:fontRef idx="minor">
+            <a:schemeClr val="tx1"/>
+          </a:fontRef>
+        </p:style>
+      </p:cxnSp>
+      <p:cxnSp>
+        <p:nvCxnSpPr>
+          <p:cNvPr id="76" name="Connector: Elbow 75">
+            <a:extLst>
+              <a:ext uri="{FF2B5EF4-FFF2-40B4-BE49-F238E27FC236}">
+                <a16:creationId xmlns:a16="http://schemas.microsoft.com/office/drawing/2014/main" id="{07C7492E-4147-F82A-4C3E-54D0D3F92111}"/>
+              </a:ext>
+            </a:extLst>
+          </p:cNvPr>
+          <p:cNvCxnSpPr>
+            <a:cxnSpLocks/>
+            <a:stCxn id="20" idx="2"/>
+          </p:cNvCxnSpPr>
+          <p:nvPr/>
+        </p:nvCxnSpPr>
+        <p:spPr>
+          <a:xfrm flipH="1">
+            <a:off x="577971" y="1047293"/>
+            <a:ext cx="7294103" cy="38442"/>
+          </a:xfrm>
+          <a:prstGeom prst="bentConnector5">
+            <a:avLst>
+              <a:gd name="adj1" fmla="val -3134"/>
+              <a:gd name="adj2" fmla="val -1896137"/>
+              <a:gd name="adj3" fmla="val 104715"/>
+            </a:avLst>
+          </a:prstGeom>
+          <a:ln>
+            <a:tailEnd type="triangle"/>
+          </a:ln>
+        </p:spPr>
+        <p:style>
+          <a:lnRef idx="1">
+            <a:schemeClr val="accent1"/>
+          </a:lnRef>
+          <a:fillRef idx="0">
+            <a:schemeClr val="accent1"/>
+          </a:fillRef>
+          <a:effectRef idx="0">
+            <a:schemeClr val="accent1"/>
+          </a:effectRef>
+          <a:fontRef idx="minor">
+            <a:schemeClr val="tx1"/>
+          </a:fontRef>
+        </p:style>
+      </p:cxnSp>
+      <p:sp>
+        <p:nvSpPr>
+          <p:cNvPr id="81" name="TextBox 80">
+            <a:extLst>
+              <a:ext uri="{FF2B5EF4-FFF2-40B4-BE49-F238E27FC236}">
+                <a16:creationId xmlns:a16="http://schemas.microsoft.com/office/drawing/2014/main" id="{33897BE8-9C0B-8C3B-C7CA-3A937C14CB2A}"/>
+              </a:ext>
+            </a:extLst>
+          </p:cNvPr>
+          <p:cNvSpPr txBox="1"/>
+          <p:nvPr/>
+        </p:nvSpPr>
+        <p:spPr>
+          <a:xfrm>
+            <a:off x="7483461" y="894494"/>
+            <a:ext cx="463588" cy="276999"/>
+          </a:xfrm>
+          <a:prstGeom prst="rect">
+            <a:avLst/>
+          </a:prstGeom>
+          <a:noFill/>
+        </p:spPr>
+        <p:txBody>
+          <a:bodyPr wrap="none" rtlCol="0">
+            <a:spAutoFit/>
+          </a:bodyPr>
+          <a:lstStyle/>
+          <a:p>
+            <a:r>
+              <a:rPr lang="en-US" altLang="zh-TW" sz="1200" dirty="0"/>
+              <a:t>Mux</a:t>
+            </a:r>
+          </a:p>
+        </p:txBody>
+      </p:sp>
+      <p:sp>
+        <p:nvSpPr>
+          <p:cNvPr id="82" name="TextBox 81">
+            <a:extLst>
+              <a:ext uri="{FF2B5EF4-FFF2-40B4-BE49-F238E27FC236}">
+                <a16:creationId xmlns:a16="http://schemas.microsoft.com/office/drawing/2014/main" id="{CBBC253E-A571-E8FE-4F08-E3498E540330}"/>
+              </a:ext>
+            </a:extLst>
+          </p:cNvPr>
+          <p:cNvSpPr txBox="1"/>
+          <p:nvPr/>
+        </p:nvSpPr>
+        <p:spPr>
+          <a:xfrm>
+            <a:off x="6721740" y="1149886"/>
+            <a:ext cx="463588" cy="276999"/>
+          </a:xfrm>
+          <a:prstGeom prst="rect">
+            <a:avLst/>
+          </a:prstGeom>
+          <a:noFill/>
+        </p:spPr>
+        <p:txBody>
+          <a:bodyPr wrap="none" rtlCol="0">
+            <a:spAutoFit/>
+          </a:bodyPr>
+          <a:lstStyle/>
+          <a:p>
+            <a:r>
+              <a:rPr lang="en-US" altLang="zh-TW" sz="1200" dirty="0"/>
+              <a:t>Mux</a:t>
+            </a:r>
+          </a:p>
+        </p:txBody>
+      </p:sp>
+      <p:sp>
+        <p:nvSpPr>
+          <p:cNvPr id="83" name="TextBox 82">
+            <a:extLst>
+              <a:ext uri="{FF2B5EF4-FFF2-40B4-BE49-F238E27FC236}">
+                <a16:creationId xmlns:a16="http://schemas.microsoft.com/office/drawing/2014/main" id="{4A730E0C-F14C-C5BD-E17B-8E8AA5EA777A}"/>
+              </a:ext>
+            </a:extLst>
+          </p:cNvPr>
+          <p:cNvSpPr txBox="1"/>
+          <p:nvPr/>
+        </p:nvSpPr>
+        <p:spPr>
+          <a:xfrm rot="5400000">
+            <a:off x="10308435" y="4642043"/>
+            <a:ext cx="463588" cy="276999"/>
+          </a:xfrm>
+          <a:prstGeom prst="rect">
+            <a:avLst/>
+          </a:prstGeom>
+          <a:noFill/>
+        </p:spPr>
+        <p:txBody>
+          <a:bodyPr wrap="none" rtlCol="0">
+            <a:spAutoFit/>
+          </a:bodyPr>
+          <a:lstStyle/>
+          <a:p>
+            <a:r>
+              <a:rPr lang="en-US" altLang="zh-TW" sz="1200" dirty="0"/>
+              <a:t>Mux</a:t>
+            </a:r>
+          </a:p>
+        </p:txBody>
+      </p:sp>
+      <p:sp>
+        <p:nvSpPr>
+          <p:cNvPr id="84" name="TextBox 83">
+            <a:extLst>
+              <a:ext uri="{FF2B5EF4-FFF2-40B4-BE49-F238E27FC236}">
+                <a16:creationId xmlns:a16="http://schemas.microsoft.com/office/drawing/2014/main" id="{D2A33207-3E2F-596A-C86F-191EE491CF54}"/>
+              </a:ext>
+            </a:extLst>
+          </p:cNvPr>
+          <p:cNvSpPr txBox="1"/>
+          <p:nvPr/>
+        </p:nvSpPr>
+        <p:spPr>
+          <a:xfrm>
+            <a:off x="4678090" y="2476503"/>
+            <a:ext cx="463588" cy="276999"/>
+          </a:xfrm>
+          <a:prstGeom prst="rect">
+            <a:avLst/>
+          </a:prstGeom>
+          <a:noFill/>
+        </p:spPr>
+        <p:txBody>
+          <a:bodyPr wrap="none" rtlCol="0">
+            <a:spAutoFit/>
+          </a:bodyPr>
+          <a:lstStyle/>
+          <a:p>
+            <a:r>
+              <a:rPr lang="en-US" altLang="zh-TW" sz="1200" dirty="0"/>
+              <a:t>Mux</a:t>
+            </a:r>
+          </a:p>
+        </p:txBody>
+      </p:sp>
+      <p:sp>
+        <p:nvSpPr>
+          <p:cNvPr id="85" name="TextBox 84">
+            <a:extLst>
+              <a:ext uri="{FF2B5EF4-FFF2-40B4-BE49-F238E27FC236}">
+                <a16:creationId xmlns:a16="http://schemas.microsoft.com/office/drawing/2014/main" id="{6F92E2DE-E103-EFDA-C753-43CFC290B196}"/>
+              </a:ext>
+            </a:extLst>
+          </p:cNvPr>
+          <p:cNvSpPr txBox="1"/>
+          <p:nvPr/>
+        </p:nvSpPr>
+        <p:spPr>
+          <a:xfrm>
+            <a:off x="5773763" y="1400416"/>
+            <a:ext cx="504470" cy="276999"/>
+          </a:xfrm>
+          <a:prstGeom prst="rect">
+            <a:avLst/>
+          </a:prstGeom>
+          <a:noFill/>
+        </p:spPr>
+        <p:txBody>
+          <a:bodyPr wrap="square" rtlCol="0">
+            <a:spAutoFit/>
+          </a:bodyPr>
+          <a:lstStyle/>
+          <a:p>
+            <a:r>
+              <a:rPr lang="en-US" altLang="zh-TW" sz="1200" dirty="0"/>
+              <a:t>add</a:t>
+            </a:r>
+            <a:endParaRPr lang="zh-TW" altLang="en-US" sz="1200" dirty="0"/>
+          </a:p>
+        </p:txBody>
+      </p:sp>
+      <p:sp>
+        <p:nvSpPr>
+          <p:cNvPr id="86" name="Oval 85">
+            <a:extLst>
+              <a:ext uri="{FF2B5EF4-FFF2-40B4-BE49-F238E27FC236}">
+                <a16:creationId xmlns:a16="http://schemas.microsoft.com/office/drawing/2014/main" id="{C59D209F-0DBA-DC26-95B1-A7FAF099292B}"/>
+              </a:ext>
+            </a:extLst>
+          </p:cNvPr>
+          <p:cNvSpPr/>
+          <p:nvPr/>
+        </p:nvSpPr>
+        <p:spPr>
+          <a:xfrm>
+            <a:off x="5157087" y="2253810"/>
+            <a:ext cx="593155" cy="276999"/>
+          </a:xfrm>
+          <a:prstGeom prst="ellipse">
+            <a:avLst/>
+          </a:prstGeom>
+        </p:spPr>
+        <p:style>
+          <a:lnRef idx="2">
+            <a:schemeClr val="dk1"/>
+          </a:lnRef>
+          <a:fillRef idx="1">
+            <a:schemeClr val="lt1"/>
+          </a:fillRef>
+          <a:effectRef idx="0">
+            <a:schemeClr val="dk1"/>
+          </a:effectRef>
+          <a:fontRef idx="minor">
+            <a:schemeClr val="dk1"/>
+          </a:fontRef>
+        </p:style>
+        <p:txBody>
+          <a:bodyPr rtlCol="0" anchor="ctr"/>
+          <a:lstStyle/>
+          <a:p>
+            <a:pPr algn="ctr"/>
+            <a:r>
+              <a:rPr lang="en-US" altLang="zh-TW" sz="1100" dirty="0"/>
+              <a:t>&lt;&lt;2</a:t>
+            </a:r>
+            <a:endParaRPr lang="zh-TW" altLang="en-US" sz="1100" dirty="0"/>
+          </a:p>
+        </p:txBody>
+      </p:sp>
+      <p:cxnSp>
+        <p:nvCxnSpPr>
+          <p:cNvPr id="88" name="Connector: Elbow 87">
+            <a:extLst>
+              <a:ext uri="{FF2B5EF4-FFF2-40B4-BE49-F238E27FC236}">
+                <a16:creationId xmlns:a16="http://schemas.microsoft.com/office/drawing/2014/main" id="{B174EA71-11C7-7423-C863-0A20E7937A10}"/>
+              </a:ext>
+            </a:extLst>
+          </p:cNvPr>
+          <p:cNvCxnSpPr>
+            <a:cxnSpLocks/>
+            <a:stCxn id="86" idx="0"/>
+          </p:cNvCxnSpPr>
+          <p:nvPr/>
+        </p:nvCxnSpPr>
+        <p:spPr>
+          <a:xfrm rot="5400000" flipH="1" flipV="1">
+            <a:off x="5344034" y="1824895"/>
+            <a:ext cx="538546" cy="319284"/>
+          </a:xfrm>
+          <a:prstGeom prst="bentConnector3">
+            <a:avLst>
+              <a:gd name="adj1" fmla="val 99522"/>
+            </a:avLst>
+          </a:prstGeom>
+          <a:ln>
+            <a:tailEnd type="triangle"/>
+          </a:ln>
+        </p:spPr>
+        <p:style>
+          <a:lnRef idx="1">
+            <a:schemeClr val="accent1"/>
+          </a:lnRef>
+          <a:fillRef idx="0">
+            <a:schemeClr val="accent1"/>
+          </a:fillRef>
+          <a:effectRef idx="0">
+            <a:schemeClr val="accent1"/>
+          </a:effectRef>
+          <a:fontRef idx="minor">
+            <a:schemeClr val="tx1"/>
+          </a:fontRef>
+        </p:style>
+      </p:cxnSp>
+      <p:cxnSp>
+        <p:nvCxnSpPr>
+          <p:cNvPr id="90" name="Connector: Elbow 89">
+            <a:extLst>
+              <a:ext uri="{FF2B5EF4-FFF2-40B4-BE49-F238E27FC236}">
+                <a16:creationId xmlns:a16="http://schemas.microsoft.com/office/drawing/2014/main" id="{B792D519-9F5C-14A1-47A0-21E6599ED7DC}"/>
+              </a:ext>
+            </a:extLst>
+          </p:cNvPr>
+          <p:cNvCxnSpPr>
+            <a:endCxn id="16" idx="1"/>
+          </p:cNvCxnSpPr>
+          <p:nvPr/>
+        </p:nvCxnSpPr>
+        <p:spPr>
+          <a:xfrm rot="16200000" flipH="1">
+            <a:off x="2645600" y="3333565"/>
+            <a:ext cx="2555533" cy="548785"/>
+          </a:xfrm>
+          <a:prstGeom prst="bentConnector2">
+            <a:avLst/>
+          </a:prstGeom>
+          <a:ln>
+            <a:tailEnd type="triangle"/>
+          </a:ln>
+        </p:spPr>
+        <p:style>
+          <a:lnRef idx="1">
+            <a:schemeClr val="accent1"/>
+          </a:lnRef>
+          <a:fillRef idx="0">
+            <a:schemeClr val="accent1"/>
+          </a:fillRef>
+          <a:effectRef idx="0">
+            <a:schemeClr val="accent1"/>
+          </a:effectRef>
+          <a:fontRef idx="minor">
+            <a:schemeClr val="tx1"/>
+          </a:fontRef>
+        </p:style>
+      </p:cxnSp>
+      <p:cxnSp>
+        <p:nvCxnSpPr>
+          <p:cNvPr id="92" name="Connector: Elbow 91">
+            <a:extLst>
+              <a:ext uri="{FF2B5EF4-FFF2-40B4-BE49-F238E27FC236}">
+                <a16:creationId xmlns:a16="http://schemas.microsoft.com/office/drawing/2014/main" id="{B159AAAF-4282-A60A-6BAB-321BA5FCB6A4}"/>
+              </a:ext>
+            </a:extLst>
+          </p:cNvPr>
+          <p:cNvCxnSpPr>
+            <a:stCxn id="16" idx="3"/>
+            <a:endCxn id="86" idx="4"/>
+          </p:cNvCxnSpPr>
+          <p:nvPr/>
+        </p:nvCxnSpPr>
+        <p:spPr>
+          <a:xfrm flipV="1">
+            <a:off x="4787232" y="2530809"/>
+            <a:ext cx="666433" cy="2354916"/>
+          </a:xfrm>
+          <a:prstGeom prst="bentConnector2">
+            <a:avLst/>
+          </a:prstGeom>
+          <a:ln>
+            <a:tailEnd type="triangle"/>
+          </a:ln>
+        </p:spPr>
+        <p:style>
+          <a:lnRef idx="1">
+            <a:schemeClr val="accent1"/>
+          </a:lnRef>
+          <a:fillRef idx="0">
+            <a:schemeClr val="accent1"/>
+          </a:fillRef>
+          <a:effectRef idx="0">
+            <a:schemeClr val="accent1"/>
+          </a:effectRef>
+          <a:fontRef idx="minor">
+            <a:schemeClr val="tx1"/>
+          </a:fontRef>
+        </p:style>
+      </p:cxnSp>
+      <p:cxnSp>
+        <p:nvCxnSpPr>
+          <p:cNvPr id="94" name="Straight Arrow Connector 93">
+            <a:extLst>
+              <a:ext uri="{FF2B5EF4-FFF2-40B4-BE49-F238E27FC236}">
+                <a16:creationId xmlns:a16="http://schemas.microsoft.com/office/drawing/2014/main" id="{C98ABAC0-E299-A7ED-199E-AB2C523414B1}"/>
+              </a:ext>
+            </a:extLst>
+          </p:cNvPr>
+          <p:cNvCxnSpPr/>
+          <p:nvPr/>
+        </p:nvCxnSpPr>
+        <p:spPr>
+          <a:xfrm>
+            <a:off x="5453664" y="3899140"/>
+            <a:ext cx="344682" cy="0"/>
+          </a:xfrm>
+          <a:prstGeom prst="straightConnector1">
+            <a:avLst/>
+          </a:prstGeom>
+          <a:ln>
+            <a:tailEnd type="triangle"/>
+          </a:ln>
+        </p:spPr>
+        <p:style>
+          <a:lnRef idx="1">
+            <a:schemeClr val="accent1"/>
+          </a:lnRef>
+          <a:fillRef idx="0">
+            <a:schemeClr val="accent1"/>
+          </a:fillRef>
+          <a:effectRef idx="0">
+            <a:schemeClr val="accent1"/>
+          </a:effectRef>
+          <a:fontRef idx="minor">
+            <a:schemeClr val="tx1"/>
+          </a:fontRef>
+        </p:style>
+      </p:cxnSp>
+      <p:cxnSp>
+        <p:nvCxnSpPr>
+          <p:cNvPr id="96" name="Straight Arrow Connector 95">
+            <a:extLst>
+              <a:ext uri="{FF2B5EF4-FFF2-40B4-BE49-F238E27FC236}">
+                <a16:creationId xmlns:a16="http://schemas.microsoft.com/office/drawing/2014/main" id="{BE05C357-1D5E-6BC9-0A66-434EAE36AF3A}"/>
+              </a:ext>
+            </a:extLst>
+          </p:cNvPr>
+          <p:cNvCxnSpPr>
+            <a:cxnSpLocks/>
+          </p:cNvCxnSpPr>
+          <p:nvPr/>
+        </p:nvCxnSpPr>
+        <p:spPr>
+          <a:xfrm>
+            <a:off x="5241983" y="3708267"/>
+            <a:ext cx="552082" cy="0"/>
+          </a:xfrm>
+          <a:prstGeom prst="straightConnector1">
+            <a:avLst/>
+          </a:prstGeom>
+          <a:ln>
+            <a:tailEnd type="triangle"/>
+          </a:ln>
+        </p:spPr>
+        <p:style>
+          <a:lnRef idx="1">
+            <a:schemeClr val="accent1"/>
+          </a:lnRef>
+          <a:fillRef idx="0">
+            <a:schemeClr val="accent1"/>
+          </a:fillRef>
+          <a:effectRef idx="0">
+            <a:schemeClr val="accent1"/>
+          </a:effectRef>
+          <a:fontRef idx="minor">
+            <a:schemeClr val="tx1"/>
+          </a:fontRef>
+        </p:style>
+      </p:cxnSp>
+      <mc:AlternateContent xmlns:mc="http://schemas.openxmlformats.org/markup-compatibility/2006">
+        <mc:Choice xmlns:p14="http://schemas.microsoft.com/office/powerpoint/2010/main" Requires="p14">
+          <p:contentPart p14:bwMode="auto" r:id="rId2">
+            <p14:nvContentPartPr>
+              <p14:cNvPr id="98" name="Ink 97">
+                <a:extLst>
+                  <a:ext uri="{FF2B5EF4-FFF2-40B4-BE49-F238E27FC236}">
+                    <a16:creationId xmlns:a16="http://schemas.microsoft.com/office/drawing/2014/main" id="{03EC5866-D56B-8933-4601-CC88CDBAB472}"/>
+                  </a:ext>
+                </a:extLst>
+              </p14:cNvPr>
+              <p14:cNvContentPartPr/>
+              <p14:nvPr/>
+            </p14:nvContentPartPr>
+            <p14:xfrm>
+              <a:off x="5457435" y="3901930"/>
+              <a:ext cx="360" cy="360"/>
+            </p14:xfrm>
+          </p:contentPart>
+        </mc:Choice>
+        <mc:Fallback>
+          <p:pic>
+            <p:nvPicPr>
+              <p:cNvPr id="98" name="Ink 97">
+                <a:extLst>
+                  <a:ext uri="{FF2B5EF4-FFF2-40B4-BE49-F238E27FC236}">
+                    <a16:creationId xmlns:a16="http://schemas.microsoft.com/office/drawing/2014/main" id="{03EC5866-D56B-8933-4601-CC88CDBAB472}"/>
+                  </a:ext>
+                </a:extLst>
+              </p:cNvPr>
+              <p:cNvPicPr/>
+              <p:nvPr/>
+            </p:nvPicPr>
+            <p:blipFill>
+              <a:blip r:embed="rId3"/>
+              <a:stretch>
+                <a:fillRect/>
+              </a:stretch>
+            </p:blipFill>
+            <p:spPr>
+              <a:xfrm>
+                <a:off x="5448795" y="3893290"/>
+                <a:ext cx="18000" cy="18000"/>
+              </a:xfrm>
+              <a:prstGeom prst="rect">
+                <a:avLst/>
+              </a:prstGeom>
+            </p:spPr>
+          </p:pic>
+        </mc:Fallback>
+      </mc:AlternateContent>
+      <mc:AlternateContent xmlns:mc="http://schemas.openxmlformats.org/markup-compatibility/2006">
+        <mc:Choice xmlns:p14="http://schemas.microsoft.com/office/powerpoint/2010/main" Requires="p14">
+          <p:contentPart p14:bwMode="auto" r:id="rId4">
+            <p14:nvContentPartPr>
+              <p14:cNvPr id="103" name="Ink 102">
+                <a:extLst>
+                  <a:ext uri="{FF2B5EF4-FFF2-40B4-BE49-F238E27FC236}">
+                    <a16:creationId xmlns:a16="http://schemas.microsoft.com/office/drawing/2014/main" id="{5D71F736-4B10-4AA7-25FD-3C04E083A878}"/>
+                  </a:ext>
+                </a:extLst>
+              </p14:cNvPr>
+              <p14:cNvContentPartPr/>
+              <p14:nvPr/>
+            </p14:nvContentPartPr>
+            <p14:xfrm>
+              <a:off x="5454395" y="3902020"/>
+              <a:ext cx="360" cy="360"/>
+            </p14:xfrm>
+          </p:contentPart>
+        </mc:Choice>
+        <mc:Fallback>
+          <p:pic>
+            <p:nvPicPr>
+              <p:cNvPr id="103" name="Ink 102">
+                <a:extLst>
+                  <a:ext uri="{FF2B5EF4-FFF2-40B4-BE49-F238E27FC236}">
+                    <a16:creationId xmlns:a16="http://schemas.microsoft.com/office/drawing/2014/main" id="{5D71F736-4B10-4AA7-25FD-3C04E083A878}"/>
+                  </a:ext>
+                </a:extLst>
+              </p:cNvPr>
+              <p:cNvPicPr/>
+              <p:nvPr/>
+            </p:nvPicPr>
+            <p:blipFill>
+              <a:blip r:embed="rId5"/>
+              <a:stretch>
+                <a:fillRect/>
+              </a:stretch>
+            </p:blipFill>
+            <p:spPr>
+              <a:xfrm>
+                <a:off x="5436755" y="3884020"/>
+                <a:ext cx="36000" cy="36000"/>
+              </a:xfrm>
+              <a:prstGeom prst="rect">
+                <a:avLst/>
+              </a:prstGeom>
+            </p:spPr>
+          </p:pic>
+        </mc:Fallback>
+      </mc:AlternateContent>
+      <mc:AlternateContent xmlns:mc="http://schemas.openxmlformats.org/markup-compatibility/2006">
+        <mc:Choice xmlns:p14="http://schemas.microsoft.com/office/powerpoint/2010/main" Requires="p14">
+          <p:contentPart p14:bwMode="auto" r:id="rId6">
+            <p14:nvContentPartPr>
+              <p14:cNvPr id="104" name="Ink 103">
+                <a:extLst>
+                  <a:ext uri="{FF2B5EF4-FFF2-40B4-BE49-F238E27FC236}">
+                    <a16:creationId xmlns:a16="http://schemas.microsoft.com/office/drawing/2014/main" id="{0CE62A1D-2744-7C83-EEE9-AC52E8839ED1}"/>
+                  </a:ext>
+                </a:extLst>
+              </p14:cNvPr>
+              <p14:cNvContentPartPr/>
+              <p14:nvPr/>
+            </p14:nvContentPartPr>
+            <p14:xfrm>
+              <a:off x="1196340" y="2704860"/>
+              <a:ext cx="360" cy="360"/>
+            </p14:xfrm>
+          </p:contentPart>
+        </mc:Choice>
+        <mc:Fallback>
+          <p:pic>
+            <p:nvPicPr>
+              <p:cNvPr id="104" name="Ink 103">
+                <a:extLst>
+                  <a:ext uri="{FF2B5EF4-FFF2-40B4-BE49-F238E27FC236}">
+                    <a16:creationId xmlns:a16="http://schemas.microsoft.com/office/drawing/2014/main" id="{0CE62A1D-2744-7C83-EEE9-AC52E8839ED1}"/>
+                  </a:ext>
+                </a:extLst>
+              </p:cNvPr>
+              <p:cNvPicPr/>
+              <p:nvPr/>
+            </p:nvPicPr>
+            <p:blipFill>
+              <a:blip r:embed="rId5"/>
+              <a:stretch>
+                <a:fillRect/>
+              </a:stretch>
+            </p:blipFill>
+            <p:spPr>
+              <a:xfrm>
+                <a:off x="1178340" y="2687220"/>
+                <a:ext cx="36000" cy="36000"/>
+              </a:xfrm>
+              <a:prstGeom prst="rect">
+                <a:avLst/>
+              </a:prstGeom>
+            </p:spPr>
+          </p:pic>
+        </mc:Fallback>
+      </mc:AlternateContent>
+      <mc:AlternateContent xmlns:mc="http://schemas.openxmlformats.org/markup-compatibility/2006">
+        <mc:Choice xmlns:p14="http://schemas.microsoft.com/office/powerpoint/2010/main" Requires="p14">
+          <p:contentPart p14:bwMode="auto" r:id="rId7">
+            <p14:nvContentPartPr>
+              <p14:cNvPr id="119" name="Ink 118">
+                <a:extLst>
+                  <a:ext uri="{FF2B5EF4-FFF2-40B4-BE49-F238E27FC236}">
+                    <a16:creationId xmlns:a16="http://schemas.microsoft.com/office/drawing/2014/main" id="{4C098E6B-CE04-7B5A-4EDC-A1DE84E0F5E0}"/>
+                  </a:ext>
+                </a:extLst>
+              </p14:cNvPr>
+              <p14:cNvContentPartPr/>
+              <p14:nvPr/>
+            </p14:nvContentPartPr>
+            <p14:xfrm>
+              <a:off x="5441044" y="1040396"/>
+              <a:ext cx="360" cy="360"/>
+            </p14:xfrm>
+          </p:contentPart>
+        </mc:Choice>
+        <mc:Fallback>
+          <p:pic>
+            <p:nvPicPr>
+              <p:cNvPr id="119" name="Ink 118">
+                <a:extLst>
+                  <a:ext uri="{FF2B5EF4-FFF2-40B4-BE49-F238E27FC236}">
+                    <a16:creationId xmlns:a16="http://schemas.microsoft.com/office/drawing/2014/main" id="{4C098E6B-CE04-7B5A-4EDC-A1DE84E0F5E0}"/>
+                  </a:ext>
+                </a:extLst>
+              </p:cNvPr>
+              <p:cNvPicPr/>
+              <p:nvPr/>
+            </p:nvPicPr>
+            <p:blipFill>
+              <a:blip r:embed="rId5"/>
+              <a:stretch>
+                <a:fillRect/>
+              </a:stretch>
+            </p:blipFill>
+            <p:spPr>
+              <a:xfrm>
+                <a:off x="5423044" y="1022756"/>
+                <a:ext cx="36000" cy="36000"/>
+              </a:xfrm>
+              <a:prstGeom prst="rect">
+                <a:avLst/>
+              </a:prstGeom>
+            </p:spPr>
+          </p:pic>
+        </mc:Fallback>
+      </mc:AlternateContent>
+      <p:cxnSp>
+        <p:nvCxnSpPr>
+          <p:cNvPr id="122" name="Connector: Elbow 121">
+            <a:extLst>
+              <a:ext uri="{FF2B5EF4-FFF2-40B4-BE49-F238E27FC236}">
+                <a16:creationId xmlns:a16="http://schemas.microsoft.com/office/drawing/2014/main" id="{317E25D6-4403-4C89-C7E5-2B0EE330840E}"/>
+              </a:ext>
+            </a:extLst>
+          </p:cNvPr>
+          <p:cNvCxnSpPr>
+            <a:cxnSpLocks/>
+            <a:stCxn id="7" idx="0"/>
+            <a:endCxn id="20" idx="1"/>
+          </p:cNvCxnSpPr>
+          <p:nvPr/>
+        </p:nvCxnSpPr>
+        <p:spPr>
+          <a:xfrm rot="5400000" flipH="1" flipV="1">
+            <a:off x="4981992" y="-463723"/>
+            <a:ext cx="895293" cy="4539775"/>
+          </a:xfrm>
+          <a:prstGeom prst="bentConnector3">
+            <a:avLst>
+              <a:gd name="adj1" fmla="val 23985"/>
+            </a:avLst>
+          </a:prstGeom>
+          <a:ln>
+            <a:tailEnd type="triangle"/>
+          </a:ln>
+        </p:spPr>
+        <p:style>
+          <a:lnRef idx="1">
+            <a:schemeClr val="accent1"/>
+          </a:lnRef>
+          <a:fillRef idx="0">
+            <a:schemeClr val="accent1"/>
+          </a:fillRef>
+          <a:effectRef idx="0">
+            <a:schemeClr val="accent1"/>
+          </a:effectRef>
+          <a:fontRef idx="minor">
+            <a:schemeClr val="tx1"/>
+          </a:fontRef>
+        </p:style>
+      </p:cxnSp>
+      <p:cxnSp>
+        <p:nvCxnSpPr>
+          <p:cNvPr id="127" name="Straight Arrow Connector 126">
+            <a:extLst>
+              <a:ext uri="{FF2B5EF4-FFF2-40B4-BE49-F238E27FC236}">
+                <a16:creationId xmlns:a16="http://schemas.microsoft.com/office/drawing/2014/main" id="{7C888545-B2F2-A2BF-47DC-EFFF4A4157EA}"/>
+              </a:ext>
+            </a:extLst>
+          </p:cNvPr>
+          <p:cNvCxnSpPr>
+            <a:cxnSpLocks/>
+            <a:stCxn id="12" idx="2"/>
+          </p:cNvCxnSpPr>
+          <p:nvPr/>
+        </p:nvCxnSpPr>
+        <p:spPr>
+          <a:xfrm>
+            <a:off x="5991670" y="3770620"/>
+            <a:ext cx="250380" cy="0"/>
+          </a:xfrm>
+          <a:prstGeom prst="straightConnector1">
+            <a:avLst/>
+          </a:prstGeom>
+          <a:ln>
+            <a:tailEnd type="triangle"/>
+          </a:ln>
+        </p:spPr>
+        <p:style>
+          <a:lnRef idx="1">
+            <a:schemeClr val="accent1"/>
+          </a:lnRef>
+          <a:fillRef idx="0">
+            <a:schemeClr val="accent1"/>
+          </a:fillRef>
+          <a:effectRef idx="0">
+            <a:schemeClr val="accent1"/>
+          </a:effectRef>
+          <a:fontRef idx="minor">
+            <a:schemeClr val="tx1"/>
+          </a:fontRef>
+        </p:style>
+      </p:cxnSp>
+      <p:cxnSp>
+        <p:nvCxnSpPr>
+          <p:cNvPr id="136" name="Connector: Elbow 135">
+            <a:extLst>
+              <a:ext uri="{FF2B5EF4-FFF2-40B4-BE49-F238E27FC236}">
+                <a16:creationId xmlns:a16="http://schemas.microsoft.com/office/drawing/2014/main" id="{F7AC1695-470C-D0C0-2423-C33BA07E3089}"/>
+              </a:ext>
+            </a:extLst>
+          </p:cNvPr>
+          <p:cNvCxnSpPr/>
+          <p:nvPr/>
+        </p:nvCxnSpPr>
+        <p:spPr>
+          <a:xfrm>
+            <a:off x="5331125" y="3708267"/>
+            <a:ext cx="3022899" cy="604941"/>
+          </a:xfrm>
+          <a:prstGeom prst="bentConnector3">
+            <a:avLst>
+              <a:gd name="adj1" fmla="val -225"/>
+            </a:avLst>
+          </a:prstGeom>
+          <a:ln>
+            <a:tailEnd type="triangle"/>
+          </a:ln>
+        </p:spPr>
+        <p:style>
+          <a:lnRef idx="1">
+            <a:schemeClr val="accent1"/>
+          </a:lnRef>
+          <a:fillRef idx="0">
+            <a:schemeClr val="accent1"/>
+          </a:fillRef>
+          <a:effectRef idx="0">
+            <a:schemeClr val="accent1"/>
+          </a:effectRef>
+          <a:fontRef idx="minor">
+            <a:schemeClr val="tx1"/>
+          </a:fontRef>
+        </p:style>
+      </p:cxnSp>
+      <mc:AlternateContent xmlns:mc="http://schemas.openxmlformats.org/markup-compatibility/2006">
+        <mc:Choice xmlns:p14="http://schemas.microsoft.com/office/powerpoint/2010/main" Requires="p14">
+          <p:contentPart p14:bwMode="auto" r:id="rId8">
+            <p14:nvContentPartPr>
+              <p14:cNvPr id="138" name="Ink 137">
+                <a:extLst>
+                  <a:ext uri="{FF2B5EF4-FFF2-40B4-BE49-F238E27FC236}">
+                    <a16:creationId xmlns:a16="http://schemas.microsoft.com/office/drawing/2014/main" id="{4277A575-4771-2BB9-E0B5-71D5EDDC8DA8}"/>
+                  </a:ext>
+                </a:extLst>
+              </p14:cNvPr>
+              <p14:cNvContentPartPr/>
+              <p14:nvPr/>
+            </p14:nvContentPartPr>
+            <p14:xfrm>
+              <a:off x="5331260" y="3709297"/>
+              <a:ext cx="360" cy="360"/>
+            </p14:xfrm>
+          </p:contentPart>
+        </mc:Choice>
+        <mc:Fallback>
+          <p:pic>
+            <p:nvPicPr>
+              <p:cNvPr id="138" name="Ink 137">
+                <a:extLst>
+                  <a:ext uri="{FF2B5EF4-FFF2-40B4-BE49-F238E27FC236}">
+                    <a16:creationId xmlns:a16="http://schemas.microsoft.com/office/drawing/2014/main" id="{4277A575-4771-2BB9-E0B5-71D5EDDC8DA8}"/>
+                  </a:ext>
+                </a:extLst>
+              </p:cNvPr>
+              <p:cNvPicPr/>
+              <p:nvPr/>
+            </p:nvPicPr>
+            <p:blipFill>
+              <a:blip r:embed="rId5"/>
+              <a:stretch>
+                <a:fillRect/>
+              </a:stretch>
+            </p:blipFill>
+            <p:spPr>
+              <a:xfrm>
+                <a:off x="5313260" y="3691657"/>
+                <a:ext cx="36000" cy="36000"/>
+              </a:xfrm>
+              <a:prstGeom prst="rect">
+                <a:avLst/>
+              </a:prstGeom>
+            </p:spPr>
+          </p:pic>
+        </mc:Fallback>
+      </mc:AlternateContent>
+      <p:cxnSp>
+        <p:nvCxnSpPr>
+          <p:cNvPr id="140" name="Connector: Elbow 139">
+            <a:extLst>
+              <a:ext uri="{FF2B5EF4-FFF2-40B4-BE49-F238E27FC236}">
+                <a16:creationId xmlns:a16="http://schemas.microsoft.com/office/drawing/2014/main" id="{191F807C-47C0-CC3D-70C3-8658C49B0E4A}"/>
+              </a:ext>
+            </a:extLst>
+          </p:cNvPr>
+          <p:cNvCxnSpPr>
+            <a:cxnSpLocks/>
+          </p:cNvCxnSpPr>
+          <p:nvPr/>
+        </p:nvCxnSpPr>
+        <p:spPr>
+          <a:xfrm>
+            <a:off x="7625749" y="2782529"/>
+            <a:ext cx="2794960" cy="2103195"/>
+          </a:xfrm>
+          <a:prstGeom prst="bentConnector3">
+            <a:avLst>
+              <a:gd name="adj1" fmla="val 9877"/>
+            </a:avLst>
+          </a:prstGeom>
+          <a:ln>
+            <a:tailEnd type="triangle"/>
+          </a:ln>
+        </p:spPr>
+        <p:style>
+          <a:lnRef idx="1">
+            <a:schemeClr val="accent1"/>
+          </a:lnRef>
+          <a:fillRef idx="0">
+            <a:schemeClr val="accent1"/>
+          </a:fillRef>
+          <a:effectRef idx="0">
+            <a:schemeClr val="accent1"/>
+          </a:effectRef>
+          <a:fontRef idx="minor">
+            <a:schemeClr val="tx1"/>
+          </a:fontRef>
+        </p:style>
+      </p:cxnSp>
+      <p:cxnSp>
+        <p:nvCxnSpPr>
+          <p:cNvPr id="153" name="Straight Connector 152">
+            <a:extLst>
+              <a:ext uri="{FF2B5EF4-FFF2-40B4-BE49-F238E27FC236}">
+                <a16:creationId xmlns:a16="http://schemas.microsoft.com/office/drawing/2014/main" id="{56E9D3C8-C5D8-8F6E-3140-B4DB6217A0E2}"/>
+              </a:ext>
+            </a:extLst>
+          </p:cNvPr>
+          <p:cNvCxnSpPr/>
+          <p:nvPr/>
+        </p:nvCxnSpPr>
+        <p:spPr>
+          <a:xfrm>
+            <a:off x="9830186" y="3428999"/>
+            <a:ext cx="271346" cy="0"/>
+          </a:xfrm>
+          <a:prstGeom prst="line">
+            <a:avLst/>
+          </a:prstGeom>
+        </p:spPr>
+        <p:style>
+          <a:lnRef idx="1">
+            <a:schemeClr val="accent1"/>
+          </a:lnRef>
+          <a:fillRef idx="0">
+            <a:schemeClr val="accent1"/>
+          </a:fillRef>
+          <a:effectRef idx="0">
+            <a:schemeClr val="accent1"/>
+          </a:effectRef>
+          <a:fontRef idx="minor">
+            <a:schemeClr val="tx1"/>
+          </a:fontRef>
+        </p:style>
+      </p:cxnSp>
+      <p:cxnSp>
+        <p:nvCxnSpPr>
+          <p:cNvPr id="155" name="Straight Connector 154">
+            <a:extLst>
+              <a:ext uri="{FF2B5EF4-FFF2-40B4-BE49-F238E27FC236}">
+                <a16:creationId xmlns:a16="http://schemas.microsoft.com/office/drawing/2014/main" id="{BB078AA3-4690-4224-68D6-5C680F69A796}"/>
+              </a:ext>
+            </a:extLst>
+          </p:cNvPr>
+          <p:cNvCxnSpPr>
+            <a:cxnSpLocks/>
+          </p:cNvCxnSpPr>
+          <p:nvPr/>
+        </p:nvCxnSpPr>
+        <p:spPr>
+          <a:xfrm flipV="1">
+            <a:off x="10101532" y="3428999"/>
+            <a:ext cx="0" cy="1174063"/>
+          </a:xfrm>
+          <a:prstGeom prst="line">
+            <a:avLst/>
+          </a:prstGeom>
+        </p:spPr>
+        <p:style>
+          <a:lnRef idx="1">
+            <a:schemeClr val="accent1"/>
+          </a:lnRef>
+          <a:fillRef idx="0">
+            <a:schemeClr val="accent1"/>
+          </a:fillRef>
+          <a:effectRef idx="0">
+            <a:schemeClr val="accent1"/>
+          </a:effectRef>
+          <a:fontRef idx="minor">
+            <a:schemeClr val="tx1"/>
+          </a:fontRef>
+        </p:style>
+      </p:cxnSp>
+      <p:cxnSp>
+        <p:nvCxnSpPr>
+          <p:cNvPr id="159" name="Straight Arrow Connector 158">
+            <a:extLst>
+              <a:ext uri="{FF2B5EF4-FFF2-40B4-BE49-F238E27FC236}">
+                <a16:creationId xmlns:a16="http://schemas.microsoft.com/office/drawing/2014/main" id="{13CEA36C-7E95-2A75-4106-AA5BC13AC725}"/>
+              </a:ext>
+            </a:extLst>
+          </p:cNvPr>
+          <p:cNvCxnSpPr>
+            <a:cxnSpLocks/>
+          </p:cNvCxnSpPr>
+          <p:nvPr/>
+        </p:nvCxnSpPr>
+        <p:spPr>
+          <a:xfrm>
+            <a:off x="10101532" y="4603062"/>
+            <a:ext cx="319177" cy="0"/>
+          </a:xfrm>
+          <a:prstGeom prst="straightConnector1">
+            <a:avLst/>
+          </a:prstGeom>
+          <a:ln>
+            <a:tailEnd type="triangle"/>
+          </a:ln>
+        </p:spPr>
+        <p:style>
+          <a:lnRef idx="1">
+            <a:schemeClr val="accent1"/>
+          </a:lnRef>
+          <a:fillRef idx="0">
+            <a:schemeClr val="accent1"/>
+          </a:fillRef>
+          <a:effectRef idx="0">
+            <a:schemeClr val="accent1"/>
+          </a:effectRef>
+          <a:fontRef idx="minor">
+            <a:schemeClr val="tx1"/>
+          </a:fontRef>
+        </p:style>
+      </p:cxnSp>
+      <p:cxnSp>
+        <p:nvCxnSpPr>
+          <p:cNvPr id="161" name="Connector: Elbow 160">
+            <a:extLst>
+              <a:ext uri="{FF2B5EF4-FFF2-40B4-BE49-F238E27FC236}">
+                <a16:creationId xmlns:a16="http://schemas.microsoft.com/office/drawing/2014/main" id="{52F573FD-BDFC-D4F9-ADAD-1A49B7E4AE9B}"/>
+              </a:ext>
+            </a:extLst>
+          </p:cNvPr>
+          <p:cNvCxnSpPr>
+            <a:cxnSpLocks/>
+            <a:stCxn id="14" idx="2"/>
+            <a:endCxn id="15" idx="3"/>
+          </p:cNvCxnSpPr>
+          <p:nvPr/>
+        </p:nvCxnSpPr>
+        <p:spPr>
+          <a:xfrm flipH="1">
+            <a:off x="4280366" y="4780542"/>
+            <a:ext cx="6333847" cy="922210"/>
+          </a:xfrm>
+          <a:prstGeom prst="bentConnector3">
+            <a:avLst>
+              <a:gd name="adj1" fmla="val -6008"/>
+            </a:avLst>
+          </a:prstGeom>
+          <a:ln>
+            <a:tailEnd type="triangle"/>
+          </a:ln>
+        </p:spPr>
+        <p:style>
+          <a:lnRef idx="1">
+            <a:schemeClr val="accent1"/>
+          </a:lnRef>
+          <a:fillRef idx="0">
+            <a:schemeClr val="accent1"/>
+          </a:fillRef>
+          <a:effectRef idx="0">
+            <a:schemeClr val="accent1"/>
+          </a:effectRef>
+          <a:fontRef idx="minor">
+            <a:schemeClr val="tx1"/>
+          </a:fontRef>
+        </p:style>
+      </p:cxnSp>
+      <p:cxnSp>
+        <p:nvCxnSpPr>
+          <p:cNvPr id="174" name="Connector: Elbow 173">
+            <a:extLst>
+              <a:ext uri="{FF2B5EF4-FFF2-40B4-BE49-F238E27FC236}">
+                <a16:creationId xmlns:a16="http://schemas.microsoft.com/office/drawing/2014/main" id="{6693C8F6-B00D-70CF-74E0-A935B9C49405}"/>
+              </a:ext>
+            </a:extLst>
+          </p:cNvPr>
+          <p:cNvCxnSpPr>
+            <a:cxnSpLocks/>
+            <a:stCxn id="15" idx="1"/>
+            <a:endCxn id="8" idx="1"/>
+          </p:cNvCxnSpPr>
+          <p:nvPr/>
+        </p:nvCxnSpPr>
+        <p:spPr>
+          <a:xfrm rot="10800000" flipH="1">
+            <a:off x="3520187" y="3429000"/>
+            <a:ext cx="493965" cy="2273752"/>
+          </a:xfrm>
+          <a:prstGeom prst="bentConnector3">
+            <a:avLst>
+              <a:gd name="adj1" fmla="val -46279"/>
+            </a:avLst>
+          </a:prstGeom>
+          <a:ln>
+            <a:tailEnd type="triangle"/>
+          </a:ln>
+        </p:spPr>
+        <p:style>
+          <a:lnRef idx="1">
+            <a:schemeClr val="accent1"/>
+          </a:lnRef>
+          <a:fillRef idx="0">
+            <a:schemeClr val="accent1"/>
+          </a:fillRef>
+          <a:effectRef idx="0">
+            <a:schemeClr val="accent1"/>
+          </a:effectRef>
+          <a:fontRef idx="minor">
+            <a:schemeClr val="tx1"/>
+          </a:fontRef>
+        </p:style>
+      </p:cxnSp>
+      <p:cxnSp>
+        <p:nvCxnSpPr>
+          <p:cNvPr id="195" name="Straight Connector 194">
+            <a:extLst>
+              <a:ext uri="{FF2B5EF4-FFF2-40B4-BE49-F238E27FC236}">
+                <a16:creationId xmlns:a16="http://schemas.microsoft.com/office/drawing/2014/main" id="{8AD8F4F3-8B77-3F91-1F28-F935A483EDAC}"/>
+              </a:ext>
+            </a:extLst>
+          </p:cNvPr>
+          <p:cNvCxnSpPr>
+            <a:cxnSpLocks/>
+          </p:cNvCxnSpPr>
+          <p:nvPr/>
+        </p:nvCxnSpPr>
+        <p:spPr>
+          <a:xfrm>
+            <a:off x="7625749" y="3295292"/>
+            <a:ext cx="89506" cy="0"/>
+          </a:xfrm>
+          <a:prstGeom prst="line">
+            <a:avLst/>
+          </a:prstGeom>
+        </p:spPr>
+        <p:style>
+          <a:lnRef idx="1">
+            <a:schemeClr val="accent1"/>
+          </a:lnRef>
+          <a:fillRef idx="0">
+            <a:schemeClr val="accent1"/>
+          </a:fillRef>
+          <a:effectRef idx="0">
+            <a:schemeClr val="accent1"/>
+          </a:effectRef>
+          <a:fontRef idx="minor">
+            <a:schemeClr val="tx1"/>
+          </a:fontRef>
+        </p:style>
+      </p:cxnSp>
+      <p:cxnSp>
+        <p:nvCxnSpPr>
+          <p:cNvPr id="197" name="Straight Connector 196">
+            <a:extLst>
+              <a:ext uri="{FF2B5EF4-FFF2-40B4-BE49-F238E27FC236}">
+                <a16:creationId xmlns:a16="http://schemas.microsoft.com/office/drawing/2014/main" id="{8F540E48-D4E7-A9EB-B00B-86CF47F54B6B}"/>
+              </a:ext>
+            </a:extLst>
+          </p:cNvPr>
+          <p:cNvCxnSpPr>
+            <a:cxnSpLocks/>
+          </p:cNvCxnSpPr>
+          <p:nvPr/>
+        </p:nvCxnSpPr>
+        <p:spPr>
+          <a:xfrm>
+            <a:off x="7715255" y="3295292"/>
+            <a:ext cx="0" cy="1977060"/>
+          </a:xfrm>
+          <a:prstGeom prst="line">
+            <a:avLst/>
+          </a:prstGeom>
+        </p:spPr>
+        <p:style>
+          <a:lnRef idx="1">
+            <a:schemeClr val="accent1"/>
+          </a:lnRef>
+          <a:fillRef idx="0">
+            <a:schemeClr val="accent1"/>
+          </a:fillRef>
+          <a:effectRef idx="0">
+            <a:schemeClr val="accent1"/>
+          </a:effectRef>
+          <a:fontRef idx="minor">
+            <a:schemeClr val="tx1"/>
+          </a:fontRef>
+        </p:style>
+      </p:cxnSp>
+      <p:cxnSp>
+        <p:nvCxnSpPr>
+          <p:cNvPr id="199" name="Connector: Elbow 198">
+            <a:extLst>
+              <a:ext uri="{FF2B5EF4-FFF2-40B4-BE49-F238E27FC236}">
+                <a16:creationId xmlns:a16="http://schemas.microsoft.com/office/drawing/2014/main" id="{76120688-2755-98AC-39B8-65FBCFEB5864}"/>
+              </a:ext>
+            </a:extLst>
+          </p:cNvPr>
+          <p:cNvCxnSpPr>
+            <a:endCxn id="15" idx="0"/>
+          </p:cNvCxnSpPr>
+          <p:nvPr/>
+        </p:nvCxnSpPr>
+        <p:spPr>
+          <a:xfrm rot="10800000" flipV="1">
+            <a:off x="3900278" y="5272352"/>
+            <a:ext cx="3814977" cy="193173"/>
+          </a:xfrm>
+          <a:prstGeom prst="bentConnector2">
+            <a:avLst/>
+          </a:prstGeom>
+          <a:ln>
+            <a:tailEnd type="triangle"/>
+          </a:ln>
+        </p:spPr>
+        <p:style>
+          <a:lnRef idx="1">
+            <a:schemeClr val="accent1"/>
+          </a:lnRef>
+          <a:fillRef idx="0">
+            <a:schemeClr val="accent1"/>
+          </a:fillRef>
+          <a:effectRef idx="0">
+            <a:schemeClr val="accent1"/>
+          </a:effectRef>
+          <a:fontRef idx="minor">
+            <a:schemeClr val="tx1"/>
+          </a:fontRef>
+        </p:style>
+      </p:cxnSp>
+      <p:cxnSp>
+        <p:nvCxnSpPr>
+          <p:cNvPr id="204" name="Straight Arrow Connector 203">
+            <a:extLst>
+              <a:ext uri="{FF2B5EF4-FFF2-40B4-BE49-F238E27FC236}">
+                <a16:creationId xmlns:a16="http://schemas.microsoft.com/office/drawing/2014/main" id="{B6D52A3E-7967-1F66-AAAD-F41C9D37CDDA}"/>
+              </a:ext>
+            </a:extLst>
+          </p:cNvPr>
+          <p:cNvCxnSpPr>
+            <a:cxnSpLocks/>
+          </p:cNvCxnSpPr>
+          <p:nvPr/>
+        </p:nvCxnSpPr>
+        <p:spPr>
+          <a:xfrm>
+            <a:off x="7902575" y="3521961"/>
+            <a:ext cx="451449" cy="0"/>
+          </a:xfrm>
+          <a:prstGeom prst="straightConnector1">
+            <a:avLst/>
+          </a:prstGeom>
+          <a:ln>
+            <a:tailEnd type="triangle"/>
+          </a:ln>
+        </p:spPr>
+        <p:style>
+          <a:lnRef idx="1">
+            <a:schemeClr val="accent1"/>
+          </a:lnRef>
+          <a:fillRef idx="0">
+            <a:schemeClr val="accent1"/>
+          </a:fillRef>
+          <a:effectRef idx="0">
+            <a:schemeClr val="accent1"/>
+          </a:effectRef>
+          <a:fontRef idx="minor">
+            <a:schemeClr val="tx1"/>
+          </a:fontRef>
+        </p:style>
+      </p:cxnSp>
+      <mc:AlternateContent xmlns:mc="http://schemas.openxmlformats.org/markup-compatibility/2006">
+        <mc:Choice xmlns:p14="http://schemas.microsoft.com/office/powerpoint/2010/main" Requires="p14">
+          <p:contentPart p14:bwMode="auto" r:id="rId9">
+            <p14:nvContentPartPr>
+              <p14:cNvPr id="208" name="Ink 207">
+                <a:extLst>
+                  <a:ext uri="{FF2B5EF4-FFF2-40B4-BE49-F238E27FC236}">
+                    <a16:creationId xmlns:a16="http://schemas.microsoft.com/office/drawing/2014/main" id="{ECFA014A-0A4C-B5D1-D1EA-43340E5E8A1E}"/>
+                  </a:ext>
+                </a:extLst>
+              </p14:cNvPr>
+              <p14:cNvContentPartPr/>
+              <p14:nvPr/>
+            </p14:nvContentPartPr>
+            <p14:xfrm>
+              <a:off x="7899155" y="3523660"/>
+              <a:ext cx="360" cy="1080"/>
+            </p14:xfrm>
+          </p:contentPart>
+        </mc:Choice>
+        <mc:Fallback>
+          <p:pic>
+            <p:nvPicPr>
+              <p:cNvPr id="208" name="Ink 207">
+                <a:extLst>
+                  <a:ext uri="{FF2B5EF4-FFF2-40B4-BE49-F238E27FC236}">
+                    <a16:creationId xmlns:a16="http://schemas.microsoft.com/office/drawing/2014/main" id="{ECFA014A-0A4C-B5D1-D1EA-43340E5E8A1E}"/>
+                  </a:ext>
+                </a:extLst>
+              </p:cNvPr>
+              <p:cNvPicPr/>
+              <p:nvPr/>
+            </p:nvPicPr>
+            <p:blipFill>
+              <a:blip r:embed="rId10"/>
+              <a:stretch>
+                <a:fillRect/>
+              </a:stretch>
+            </p:blipFill>
+            <p:spPr>
+              <a:xfrm>
+                <a:off x="7881515" y="3505660"/>
+                <a:ext cx="36000" cy="36720"/>
+              </a:xfrm>
+              <a:prstGeom prst="rect">
+                <a:avLst/>
+              </a:prstGeom>
+            </p:spPr>
+          </p:pic>
+        </mc:Fallback>
+      </mc:AlternateContent>
+      <p:cxnSp>
+        <p:nvCxnSpPr>
+          <p:cNvPr id="210" name="Straight Arrow Connector 209">
+            <a:extLst>
+              <a:ext uri="{FF2B5EF4-FFF2-40B4-BE49-F238E27FC236}">
+                <a16:creationId xmlns:a16="http://schemas.microsoft.com/office/drawing/2014/main" id="{99002866-FB5A-3382-FC1A-DC8361B336C5}"/>
+              </a:ext>
+            </a:extLst>
+          </p:cNvPr>
+          <p:cNvCxnSpPr>
+            <a:cxnSpLocks/>
+          </p:cNvCxnSpPr>
+          <p:nvPr/>
+        </p:nvCxnSpPr>
+        <p:spPr>
+          <a:xfrm>
+            <a:off x="5241983" y="3142892"/>
+            <a:ext cx="1000067" cy="0"/>
+          </a:xfrm>
+          <a:prstGeom prst="straightConnector1">
+            <a:avLst/>
+          </a:prstGeom>
+          <a:ln>
+            <a:tailEnd type="triangle"/>
+          </a:ln>
+        </p:spPr>
+        <p:style>
+          <a:lnRef idx="1">
+            <a:schemeClr val="accent1"/>
+          </a:lnRef>
+          <a:fillRef idx="0">
+            <a:schemeClr val="accent1"/>
+          </a:fillRef>
+          <a:effectRef idx="0">
+            <a:schemeClr val="accent1"/>
+          </a:effectRef>
+          <a:fontRef idx="minor">
+            <a:schemeClr val="tx1"/>
+          </a:fontRef>
+        </p:style>
+      </p:cxnSp>
+      <p:cxnSp>
+        <p:nvCxnSpPr>
+          <p:cNvPr id="212" name="Straight Arrow Connector 211">
+            <a:extLst>
+              <a:ext uri="{FF2B5EF4-FFF2-40B4-BE49-F238E27FC236}">
+                <a16:creationId xmlns:a16="http://schemas.microsoft.com/office/drawing/2014/main" id="{47DC0B6C-AEDC-670F-BBF3-12943826DFA8}"/>
+              </a:ext>
+            </a:extLst>
+          </p:cNvPr>
+          <p:cNvCxnSpPr/>
+          <p:nvPr/>
+        </p:nvCxnSpPr>
+        <p:spPr>
+          <a:xfrm>
+            <a:off x="7384212" y="2253810"/>
+            <a:ext cx="0" cy="215487"/>
+          </a:xfrm>
+          <a:prstGeom prst="straightConnector1">
+            <a:avLst/>
+          </a:prstGeom>
+          <a:ln>
+            <a:tailEnd type="triangle"/>
+          </a:ln>
+        </p:spPr>
+        <p:style>
+          <a:lnRef idx="1">
+            <a:schemeClr val="accent1"/>
+          </a:lnRef>
+          <a:fillRef idx="0">
+            <a:schemeClr val="accent1"/>
+          </a:fillRef>
+          <a:effectRef idx="0">
+            <a:schemeClr val="accent1"/>
+          </a:effectRef>
+          <a:fontRef idx="minor">
+            <a:schemeClr val="tx1"/>
+          </a:fontRef>
+        </p:style>
+      </p:cxnSp>
+      <p:cxnSp>
+        <p:nvCxnSpPr>
+          <p:cNvPr id="214" name="Straight Arrow Connector 213">
+            <a:extLst>
+              <a:ext uri="{FF2B5EF4-FFF2-40B4-BE49-F238E27FC236}">
+                <a16:creationId xmlns:a16="http://schemas.microsoft.com/office/drawing/2014/main" id="{B4540E56-1A42-3C62-9919-116DC4EDE7B0}"/>
+              </a:ext>
+            </a:extLst>
+          </p:cNvPr>
+          <p:cNvCxnSpPr>
+            <a:cxnSpLocks/>
+            <a:endCxn id="12" idx="1"/>
+          </p:cNvCxnSpPr>
+          <p:nvPr/>
+        </p:nvCxnSpPr>
+        <p:spPr>
+          <a:xfrm flipV="1">
+            <a:off x="5894918" y="3969546"/>
+            <a:ext cx="0" cy="179760"/>
+          </a:xfrm>
+          <a:prstGeom prst="straightConnector1">
+            <a:avLst/>
+          </a:prstGeom>
+          <a:ln>
+            <a:tailEnd type="triangle"/>
+          </a:ln>
+        </p:spPr>
+        <p:style>
+          <a:lnRef idx="1">
+            <a:schemeClr val="accent1"/>
+          </a:lnRef>
+          <a:fillRef idx="0">
+            <a:schemeClr val="accent1"/>
+          </a:fillRef>
+          <a:effectRef idx="0">
+            <a:schemeClr val="accent1"/>
+          </a:effectRef>
+          <a:fontRef idx="minor">
+            <a:schemeClr val="tx1"/>
+          </a:fontRef>
+        </p:style>
+      </p:cxnSp>
+      <p:cxnSp>
+        <p:nvCxnSpPr>
+          <p:cNvPr id="217" name="Straight Arrow Connector 216">
+            <a:extLst>
+              <a:ext uri="{FF2B5EF4-FFF2-40B4-BE49-F238E27FC236}">
+                <a16:creationId xmlns:a16="http://schemas.microsoft.com/office/drawing/2014/main" id="{91CFCE02-0567-26A8-EDE9-C83730D289B5}"/>
+              </a:ext>
+            </a:extLst>
+          </p:cNvPr>
+          <p:cNvCxnSpPr>
+            <a:cxnSpLocks/>
+            <a:endCxn id="19" idx="1"/>
+          </p:cNvCxnSpPr>
+          <p:nvPr/>
+        </p:nvCxnSpPr>
+        <p:spPr>
+          <a:xfrm flipV="1">
+            <a:off x="6950019" y="1600837"/>
+            <a:ext cx="0" cy="227963"/>
+          </a:xfrm>
+          <a:prstGeom prst="straightConnector1">
+            <a:avLst/>
+          </a:prstGeom>
+          <a:ln>
+            <a:tailEnd type="triangle"/>
+          </a:ln>
+        </p:spPr>
+        <p:style>
+          <a:lnRef idx="1">
+            <a:schemeClr val="accent1"/>
+          </a:lnRef>
+          <a:fillRef idx="0">
+            <a:schemeClr val="accent1"/>
+          </a:fillRef>
+          <a:effectRef idx="0">
+            <a:schemeClr val="accent1"/>
+          </a:effectRef>
+          <a:fontRef idx="minor">
+            <a:schemeClr val="tx1"/>
+          </a:fontRef>
+        </p:style>
+      </p:cxnSp>
+      <p:cxnSp>
+        <p:nvCxnSpPr>
+          <p:cNvPr id="220" name="Straight Arrow Connector 219">
+            <a:extLst>
+              <a:ext uri="{FF2B5EF4-FFF2-40B4-BE49-F238E27FC236}">
+                <a16:creationId xmlns:a16="http://schemas.microsoft.com/office/drawing/2014/main" id="{D010AA85-640F-52E2-1454-8BFC3A2B1E5C}"/>
+              </a:ext>
+            </a:extLst>
+          </p:cNvPr>
+          <p:cNvCxnSpPr>
+            <a:cxnSpLocks/>
+          </p:cNvCxnSpPr>
+          <p:nvPr/>
+        </p:nvCxnSpPr>
+        <p:spPr>
+          <a:xfrm>
+            <a:off x="10523454" y="4261441"/>
+            <a:ext cx="0" cy="341621"/>
+          </a:xfrm>
+          <a:prstGeom prst="straightConnector1">
+            <a:avLst/>
+          </a:prstGeom>
+          <a:ln>
+            <a:tailEnd type="triangle"/>
+          </a:ln>
+        </p:spPr>
+        <p:style>
+          <a:lnRef idx="1">
+            <a:schemeClr val="accent1"/>
+          </a:lnRef>
+          <a:fillRef idx="0">
+            <a:schemeClr val="accent1"/>
+          </a:fillRef>
+          <a:effectRef idx="0">
+            <a:schemeClr val="accent1"/>
+          </a:effectRef>
+          <a:fontRef idx="minor">
+            <a:schemeClr val="tx1"/>
+          </a:fontRef>
+        </p:style>
+      </p:cxnSp>
+      <p:cxnSp>
+        <p:nvCxnSpPr>
+          <p:cNvPr id="223" name="Straight Arrow Connector 222">
+            <a:extLst>
+              <a:ext uri="{FF2B5EF4-FFF2-40B4-BE49-F238E27FC236}">
+                <a16:creationId xmlns:a16="http://schemas.microsoft.com/office/drawing/2014/main" id="{9E2ABECC-9D0F-16DA-9D5C-E2C9E26630AC}"/>
+              </a:ext>
+            </a:extLst>
+          </p:cNvPr>
+          <p:cNvCxnSpPr/>
+          <p:nvPr/>
+        </p:nvCxnSpPr>
+        <p:spPr>
+          <a:xfrm>
+            <a:off x="8954219" y="2698351"/>
+            <a:ext cx="0" cy="302869"/>
+          </a:xfrm>
+          <a:prstGeom prst="straightConnector1">
+            <a:avLst/>
+          </a:prstGeom>
+          <a:ln>
+            <a:tailEnd type="triangle"/>
+          </a:ln>
+        </p:spPr>
+        <p:style>
+          <a:lnRef idx="1">
+            <a:schemeClr val="accent1"/>
+          </a:lnRef>
+          <a:fillRef idx="0">
+            <a:schemeClr val="accent1"/>
+          </a:fillRef>
+          <a:effectRef idx="0">
+            <a:schemeClr val="accent1"/>
+          </a:effectRef>
+          <a:fontRef idx="minor">
+            <a:schemeClr val="tx1"/>
+          </a:fontRef>
+        </p:style>
+      </p:cxnSp>
+      <p:cxnSp>
+        <p:nvCxnSpPr>
+          <p:cNvPr id="225" name="Straight Arrow Connector 224">
+            <a:extLst>
+              <a:ext uri="{FF2B5EF4-FFF2-40B4-BE49-F238E27FC236}">
+                <a16:creationId xmlns:a16="http://schemas.microsoft.com/office/drawing/2014/main" id="{585923EB-A4F5-471C-8EA0-04A212DA118E}"/>
+              </a:ext>
+            </a:extLst>
+          </p:cNvPr>
+          <p:cNvCxnSpPr/>
+          <p:nvPr/>
+        </p:nvCxnSpPr>
+        <p:spPr>
+          <a:xfrm flipV="1">
+            <a:off x="8954219" y="4603062"/>
+            <a:ext cx="0" cy="177480"/>
+          </a:xfrm>
+          <a:prstGeom prst="straightConnector1">
+            <a:avLst/>
+          </a:prstGeom>
+          <a:ln>
+            <a:tailEnd type="triangle"/>
+          </a:ln>
+        </p:spPr>
+        <p:style>
+          <a:lnRef idx="1">
+            <a:schemeClr val="accent1"/>
+          </a:lnRef>
+          <a:fillRef idx="0">
+            <a:schemeClr val="accent1"/>
+          </a:fillRef>
+          <a:effectRef idx="0">
+            <a:schemeClr val="accent1"/>
+          </a:effectRef>
+          <a:fontRef idx="minor">
+            <a:schemeClr val="tx1"/>
+          </a:fontRef>
+        </p:style>
+      </p:cxnSp>
+      <p:cxnSp>
+        <p:nvCxnSpPr>
+          <p:cNvPr id="227" name="Straight Arrow Connector 226">
+            <a:extLst>
+              <a:ext uri="{FF2B5EF4-FFF2-40B4-BE49-F238E27FC236}">
+                <a16:creationId xmlns:a16="http://schemas.microsoft.com/office/drawing/2014/main" id="{329AF834-90EA-ECA2-4CEB-F66F48AEAA37}"/>
+              </a:ext>
+            </a:extLst>
+          </p:cNvPr>
+          <p:cNvCxnSpPr/>
+          <p:nvPr/>
+        </p:nvCxnSpPr>
+        <p:spPr>
+          <a:xfrm flipV="1">
+            <a:off x="4280366" y="3991294"/>
+            <a:ext cx="0" cy="321914"/>
+          </a:xfrm>
+          <a:prstGeom prst="straightConnector1">
+            <a:avLst/>
+          </a:prstGeom>
+          <a:ln>
+            <a:tailEnd type="triangle"/>
+          </a:ln>
+        </p:spPr>
+        <p:style>
+          <a:lnRef idx="1">
+            <a:schemeClr val="accent1"/>
+          </a:lnRef>
+          <a:fillRef idx="0">
+            <a:schemeClr val="accent1"/>
+          </a:fillRef>
+          <a:effectRef idx="0">
+            <a:schemeClr val="accent1"/>
+          </a:effectRef>
+          <a:fontRef idx="minor">
+            <a:schemeClr val="tx1"/>
+          </a:fontRef>
+        </p:style>
+      </p:cxnSp>
+      <p:cxnSp>
+        <p:nvCxnSpPr>
+          <p:cNvPr id="231" name="Straight Arrow Connector 230">
+            <a:extLst>
+              <a:ext uri="{FF2B5EF4-FFF2-40B4-BE49-F238E27FC236}">
+                <a16:creationId xmlns:a16="http://schemas.microsoft.com/office/drawing/2014/main" id="{5FFA23A4-5E32-E320-C355-8B4985CB4E6A}"/>
+              </a:ext>
+            </a:extLst>
+          </p:cNvPr>
+          <p:cNvCxnSpPr>
+            <a:cxnSpLocks/>
+            <a:stCxn id="258" idx="0"/>
+            <a:endCxn id="45" idx="3"/>
+          </p:cNvCxnSpPr>
+          <p:nvPr/>
+        </p:nvCxnSpPr>
+        <p:spPr>
+          <a:xfrm flipH="1" flipV="1">
+            <a:off x="5051615" y="2615838"/>
+            <a:ext cx="199783" cy="8216"/>
+          </a:xfrm>
+          <a:prstGeom prst="straightConnector1">
+            <a:avLst/>
+          </a:prstGeom>
+          <a:ln>
+            <a:tailEnd type="triangle"/>
+          </a:ln>
+        </p:spPr>
+        <p:style>
+          <a:lnRef idx="1">
+            <a:schemeClr val="accent1"/>
+          </a:lnRef>
+          <a:fillRef idx="0">
+            <a:schemeClr val="accent1"/>
+          </a:fillRef>
+          <a:effectRef idx="0">
+            <a:schemeClr val="accent1"/>
+          </a:effectRef>
+          <a:fontRef idx="minor">
+            <a:schemeClr val="tx1"/>
+          </a:fontRef>
+        </p:style>
+      </p:cxnSp>
+      <p:sp>
+        <p:nvSpPr>
+          <p:cNvPr id="232" name="TextBox 231">
+            <a:extLst>
+              <a:ext uri="{FF2B5EF4-FFF2-40B4-BE49-F238E27FC236}">
+                <a16:creationId xmlns:a16="http://schemas.microsoft.com/office/drawing/2014/main" id="{46B0F013-9F89-E402-8D9E-AFDA00A2C254}"/>
+              </a:ext>
+            </a:extLst>
+          </p:cNvPr>
+          <p:cNvSpPr txBox="1"/>
+          <p:nvPr/>
+        </p:nvSpPr>
+        <p:spPr>
+          <a:xfrm rot="5400000">
+            <a:off x="5672844" y="3665364"/>
+            <a:ext cx="463588" cy="276999"/>
+          </a:xfrm>
+          <a:prstGeom prst="rect">
+            <a:avLst/>
+          </a:prstGeom>
+          <a:noFill/>
+        </p:spPr>
+        <p:txBody>
+          <a:bodyPr wrap="none" rtlCol="0">
+            <a:spAutoFit/>
+          </a:bodyPr>
+          <a:lstStyle/>
+          <a:p>
+            <a:r>
+              <a:rPr lang="en-US" altLang="zh-TW" sz="1200" dirty="0"/>
+              <a:t>Mux</a:t>
+            </a:r>
+          </a:p>
+        </p:txBody>
+      </p:sp>
+      <p:sp>
+        <p:nvSpPr>
+          <p:cNvPr id="233" name="Rectangle 232">
+            <a:extLst>
+              <a:ext uri="{FF2B5EF4-FFF2-40B4-BE49-F238E27FC236}">
+                <a16:creationId xmlns:a16="http://schemas.microsoft.com/office/drawing/2014/main" id="{D861D42C-DACD-828C-0AD6-D7F412CA78A7}"/>
+              </a:ext>
+            </a:extLst>
+          </p:cNvPr>
+          <p:cNvSpPr/>
+          <p:nvPr/>
+        </p:nvSpPr>
+        <p:spPr>
+          <a:xfrm>
+            <a:off x="6365751" y="2603641"/>
+            <a:ext cx="595763" cy="333580"/>
+          </a:xfrm>
+          <a:prstGeom prst="rect">
+            <a:avLst/>
+          </a:prstGeom>
+        </p:spPr>
+        <p:style>
+          <a:lnRef idx="2">
+            <a:schemeClr val="dk1"/>
+          </a:lnRef>
+          <a:fillRef idx="1">
+            <a:schemeClr val="lt1"/>
+          </a:fillRef>
+          <a:effectRef idx="0">
+            <a:schemeClr val="dk1"/>
+          </a:effectRef>
+          <a:fontRef idx="minor">
+            <a:schemeClr val="dk1"/>
+          </a:fontRef>
+        </p:style>
+        <p:txBody>
+          <a:bodyPr rtlCol="0" anchor="ctr"/>
+          <a:lstStyle/>
+          <a:p>
+            <a:pPr algn="ctr"/>
+            <a:r>
+              <a:rPr lang="en-US" altLang="zh-TW" sz="1200" dirty="0"/>
+              <a:t>shifter</a:t>
+            </a:r>
+            <a:endParaRPr lang="zh-TW" altLang="en-US" sz="1200" dirty="0"/>
+          </a:p>
+        </p:txBody>
+      </p:sp>
+      <p:sp>
+        <p:nvSpPr>
+          <p:cNvPr id="234" name="Rectangle 233">
+            <a:extLst>
+              <a:ext uri="{FF2B5EF4-FFF2-40B4-BE49-F238E27FC236}">
+                <a16:creationId xmlns:a16="http://schemas.microsoft.com/office/drawing/2014/main" id="{F69212F6-7952-7570-8DE3-3DC6850E188F}"/>
+              </a:ext>
+            </a:extLst>
+          </p:cNvPr>
+          <p:cNvSpPr/>
+          <p:nvPr/>
+        </p:nvSpPr>
+        <p:spPr>
+          <a:xfrm>
+            <a:off x="6307127" y="3143708"/>
+            <a:ext cx="816347" cy="263171"/>
+          </a:xfrm>
+          <a:prstGeom prst="rect">
+            <a:avLst/>
+          </a:prstGeom>
+        </p:spPr>
+        <p:style>
+          <a:lnRef idx="2">
+            <a:schemeClr val="dk1"/>
+          </a:lnRef>
+          <a:fillRef idx="1">
+            <a:schemeClr val="lt1"/>
+          </a:fillRef>
+          <a:effectRef idx="0">
+            <a:schemeClr val="dk1"/>
+          </a:effectRef>
+          <a:fontRef idx="minor">
+            <a:schemeClr val="dk1"/>
+          </a:fontRef>
+        </p:style>
+        <p:txBody>
+          <a:bodyPr rtlCol="0" anchor="ctr"/>
+          <a:lstStyle/>
+          <a:p>
+            <a:pPr algn="ctr"/>
+            <a:r>
+              <a:rPr lang="en-US" altLang="zh-TW" sz="1200" dirty="0"/>
+              <a:t>multiplier</a:t>
+            </a:r>
+            <a:endParaRPr lang="zh-TW" altLang="en-US" sz="1200" dirty="0"/>
+          </a:p>
+        </p:txBody>
+      </p:sp>
+      <p:sp>
+        <p:nvSpPr>
+          <p:cNvPr id="239" name="Rectangle 238">
+            <a:extLst>
+              <a:ext uri="{FF2B5EF4-FFF2-40B4-BE49-F238E27FC236}">
+                <a16:creationId xmlns:a16="http://schemas.microsoft.com/office/drawing/2014/main" id="{855EAC90-06EE-DF39-CC68-2F57739C68A1}"/>
+              </a:ext>
+            </a:extLst>
+          </p:cNvPr>
+          <p:cNvSpPr/>
+          <p:nvPr/>
+        </p:nvSpPr>
+        <p:spPr>
+          <a:xfrm>
+            <a:off x="7236768" y="2844085"/>
+            <a:ext cx="340906" cy="341664"/>
+          </a:xfrm>
+          <a:prstGeom prst="rect">
+            <a:avLst/>
+          </a:prstGeom>
+        </p:spPr>
+        <p:style>
+          <a:lnRef idx="2">
+            <a:schemeClr val="dk1"/>
+          </a:lnRef>
+          <a:fillRef idx="1">
+            <a:schemeClr val="lt1"/>
+          </a:fillRef>
+          <a:effectRef idx="0">
+            <a:schemeClr val="dk1"/>
+          </a:effectRef>
+          <a:fontRef idx="minor">
+            <a:schemeClr val="dk1"/>
+          </a:fontRef>
+        </p:style>
+        <p:txBody>
+          <a:bodyPr rtlCol="0" anchor="ctr"/>
+          <a:lstStyle/>
+          <a:p>
+            <a:pPr algn="ctr"/>
+            <a:r>
+              <a:rPr lang="en-US" altLang="zh-TW" sz="1200" dirty="0"/>
+              <a:t>Hi</a:t>
+            </a:r>
+            <a:endParaRPr lang="zh-TW" altLang="en-US" sz="1200" dirty="0"/>
+          </a:p>
+        </p:txBody>
+      </p:sp>
+      <p:sp>
+        <p:nvSpPr>
+          <p:cNvPr id="240" name="Rectangle 239">
+            <a:extLst>
+              <a:ext uri="{FF2B5EF4-FFF2-40B4-BE49-F238E27FC236}">
+                <a16:creationId xmlns:a16="http://schemas.microsoft.com/office/drawing/2014/main" id="{B8C36677-707C-9A0A-508E-368606C62ED0}"/>
+              </a:ext>
+            </a:extLst>
+          </p:cNvPr>
+          <p:cNvSpPr/>
+          <p:nvPr/>
+        </p:nvSpPr>
+        <p:spPr>
+          <a:xfrm>
+            <a:off x="7235802" y="3179857"/>
+            <a:ext cx="341871" cy="341664"/>
+          </a:xfrm>
+          <a:prstGeom prst="rect">
+            <a:avLst/>
+          </a:prstGeom>
+        </p:spPr>
+        <p:style>
+          <a:lnRef idx="2">
+            <a:schemeClr val="dk1"/>
+          </a:lnRef>
+          <a:fillRef idx="1">
+            <a:schemeClr val="lt1"/>
+          </a:fillRef>
+          <a:effectRef idx="0">
+            <a:schemeClr val="dk1"/>
+          </a:effectRef>
+          <a:fontRef idx="minor">
+            <a:schemeClr val="dk1"/>
+          </a:fontRef>
+        </p:style>
+        <p:txBody>
+          <a:bodyPr rtlCol="0" anchor="ctr"/>
+          <a:lstStyle/>
+          <a:p>
+            <a:pPr algn="ctr"/>
+            <a:r>
+              <a:rPr lang="en-US" altLang="zh-TW" sz="1200" dirty="0"/>
+              <a:t>Lo</a:t>
+            </a:r>
+            <a:endParaRPr lang="zh-TW" altLang="en-US" sz="1200" dirty="0"/>
+          </a:p>
+        </p:txBody>
+      </p:sp>
+      <p:sp>
+        <p:nvSpPr>
+          <p:cNvPr id="246" name="TextBox 245">
+            <a:extLst>
+              <a:ext uri="{FF2B5EF4-FFF2-40B4-BE49-F238E27FC236}">
+                <a16:creationId xmlns:a16="http://schemas.microsoft.com/office/drawing/2014/main" id="{DF29A260-736B-54F2-4083-535FEE93A5BF}"/>
+              </a:ext>
+            </a:extLst>
+          </p:cNvPr>
+          <p:cNvSpPr txBox="1"/>
+          <p:nvPr/>
+        </p:nvSpPr>
+        <p:spPr>
+          <a:xfrm>
+            <a:off x="4217890" y="4127475"/>
+            <a:ext cx="699230" cy="253916"/>
+          </a:xfrm>
+          <a:prstGeom prst="rect">
+            <a:avLst/>
+          </a:prstGeom>
+          <a:noFill/>
+        </p:spPr>
+        <p:txBody>
+          <a:bodyPr wrap="none" rtlCol="0">
+            <a:spAutoFit/>
+          </a:bodyPr>
+          <a:lstStyle/>
+          <a:p>
+            <a:r>
+              <a:rPr lang="en-US" altLang="zh-TW" sz="1050" dirty="0" err="1"/>
+              <a:t>RegWrite</a:t>
+            </a:r>
+            <a:endParaRPr lang="zh-TW" altLang="en-US" sz="1050" dirty="0"/>
+          </a:p>
+        </p:txBody>
+      </p:sp>
+      <p:sp>
+        <p:nvSpPr>
+          <p:cNvPr id="247" name="TextBox 246">
+            <a:extLst>
+              <a:ext uri="{FF2B5EF4-FFF2-40B4-BE49-F238E27FC236}">
+                <a16:creationId xmlns:a16="http://schemas.microsoft.com/office/drawing/2014/main" id="{6BD3F604-E378-245F-1ADD-957A9A4661CE}"/>
+              </a:ext>
+            </a:extLst>
+          </p:cNvPr>
+          <p:cNvSpPr txBox="1"/>
+          <p:nvPr/>
+        </p:nvSpPr>
+        <p:spPr>
+          <a:xfrm>
+            <a:off x="3972882" y="3302721"/>
+            <a:ext cx="388248" cy="253916"/>
+          </a:xfrm>
+          <a:prstGeom prst="rect">
+            <a:avLst/>
+          </a:prstGeom>
+          <a:noFill/>
+        </p:spPr>
+        <p:txBody>
+          <a:bodyPr wrap="none" rtlCol="0">
+            <a:spAutoFit/>
+          </a:bodyPr>
+          <a:lstStyle/>
+          <a:p>
+            <a:r>
+              <a:rPr lang="en-US" altLang="zh-TW" sz="1050" dirty="0"/>
+              <a:t>WD</a:t>
+            </a:r>
+            <a:endParaRPr lang="zh-TW" altLang="en-US" sz="1050" dirty="0"/>
+          </a:p>
+        </p:txBody>
+      </p:sp>
+      <p:sp>
+        <p:nvSpPr>
+          <p:cNvPr id="248" name="TextBox 247">
+            <a:extLst>
+              <a:ext uri="{FF2B5EF4-FFF2-40B4-BE49-F238E27FC236}">
+                <a16:creationId xmlns:a16="http://schemas.microsoft.com/office/drawing/2014/main" id="{02D44EF3-6A3F-EB72-1A8E-998497AC7B1E}"/>
+              </a:ext>
+            </a:extLst>
+          </p:cNvPr>
+          <p:cNvSpPr txBox="1"/>
+          <p:nvPr/>
+        </p:nvSpPr>
+        <p:spPr>
+          <a:xfrm>
+            <a:off x="4142176" y="2807875"/>
+            <a:ext cx="413896" cy="253916"/>
+          </a:xfrm>
+          <a:prstGeom prst="rect">
+            <a:avLst/>
+          </a:prstGeom>
+          <a:noFill/>
+        </p:spPr>
+        <p:txBody>
+          <a:bodyPr wrap="none" rtlCol="0">
+            <a:spAutoFit/>
+          </a:bodyPr>
+          <a:lstStyle/>
+          <a:p>
+            <a:r>
+              <a:rPr lang="en-US" altLang="zh-TW" sz="1050" dirty="0"/>
+              <a:t>RN1</a:t>
+            </a:r>
+            <a:endParaRPr lang="zh-TW" altLang="en-US" sz="1050" dirty="0"/>
+          </a:p>
+        </p:txBody>
+      </p:sp>
+      <p:sp>
+        <p:nvSpPr>
+          <p:cNvPr id="249" name="TextBox 248">
+            <a:extLst>
+              <a:ext uri="{FF2B5EF4-FFF2-40B4-BE49-F238E27FC236}">
+                <a16:creationId xmlns:a16="http://schemas.microsoft.com/office/drawing/2014/main" id="{FFB16C17-96E6-F33F-988E-14DEE48F7FC7}"/>
+              </a:ext>
+            </a:extLst>
+          </p:cNvPr>
+          <p:cNvSpPr txBox="1"/>
+          <p:nvPr/>
+        </p:nvSpPr>
+        <p:spPr>
+          <a:xfrm>
+            <a:off x="4424288" y="2831062"/>
+            <a:ext cx="413896" cy="253916"/>
+          </a:xfrm>
+          <a:prstGeom prst="rect">
+            <a:avLst/>
+          </a:prstGeom>
+          <a:noFill/>
+        </p:spPr>
+        <p:txBody>
+          <a:bodyPr wrap="none" rtlCol="0">
+            <a:spAutoFit/>
+          </a:bodyPr>
+          <a:lstStyle/>
+          <a:p>
+            <a:r>
+              <a:rPr lang="en-US" altLang="zh-TW" sz="1050" dirty="0"/>
+              <a:t>RN2</a:t>
+            </a:r>
+            <a:endParaRPr lang="zh-TW" altLang="en-US" sz="1050" dirty="0"/>
+          </a:p>
+        </p:txBody>
+      </p:sp>
+      <p:sp>
+        <p:nvSpPr>
+          <p:cNvPr id="250" name="TextBox 249">
+            <a:extLst>
+              <a:ext uri="{FF2B5EF4-FFF2-40B4-BE49-F238E27FC236}">
+                <a16:creationId xmlns:a16="http://schemas.microsoft.com/office/drawing/2014/main" id="{40845022-8D73-25C8-FCA0-668017A54383}"/>
+              </a:ext>
+            </a:extLst>
+          </p:cNvPr>
+          <p:cNvSpPr txBox="1"/>
+          <p:nvPr/>
+        </p:nvSpPr>
+        <p:spPr>
+          <a:xfrm>
+            <a:off x="4748298" y="2827190"/>
+            <a:ext cx="391454" cy="253916"/>
+          </a:xfrm>
+          <a:prstGeom prst="rect">
+            <a:avLst/>
+          </a:prstGeom>
+          <a:noFill/>
+        </p:spPr>
+        <p:txBody>
+          <a:bodyPr wrap="none" rtlCol="0">
+            <a:spAutoFit/>
+          </a:bodyPr>
+          <a:lstStyle/>
+          <a:p>
+            <a:r>
+              <a:rPr lang="en-US" altLang="zh-TW" sz="1050" dirty="0"/>
+              <a:t>WN</a:t>
+            </a:r>
+            <a:endParaRPr lang="zh-TW" altLang="en-US" sz="1050" dirty="0"/>
+          </a:p>
+        </p:txBody>
+      </p:sp>
+      <p:sp>
+        <p:nvSpPr>
+          <p:cNvPr id="251" name="TextBox 250">
+            <a:extLst>
+              <a:ext uri="{FF2B5EF4-FFF2-40B4-BE49-F238E27FC236}">
+                <a16:creationId xmlns:a16="http://schemas.microsoft.com/office/drawing/2014/main" id="{75E2D338-46FC-7282-7FAA-ED423FAD5717}"/>
+              </a:ext>
+            </a:extLst>
+          </p:cNvPr>
+          <p:cNvSpPr txBox="1"/>
+          <p:nvPr/>
+        </p:nvSpPr>
+        <p:spPr>
+          <a:xfrm>
+            <a:off x="4904309" y="3587432"/>
+            <a:ext cx="413896" cy="253916"/>
+          </a:xfrm>
+          <a:prstGeom prst="rect">
+            <a:avLst/>
+          </a:prstGeom>
+          <a:noFill/>
+        </p:spPr>
+        <p:txBody>
+          <a:bodyPr wrap="none" rtlCol="0">
+            <a:spAutoFit/>
+          </a:bodyPr>
+          <a:lstStyle/>
+          <a:p>
+            <a:r>
+              <a:rPr lang="en-US" altLang="zh-TW" sz="1050" dirty="0"/>
+              <a:t>RD2</a:t>
+            </a:r>
+            <a:endParaRPr lang="zh-TW" altLang="en-US" sz="1050" dirty="0"/>
+          </a:p>
+        </p:txBody>
+      </p:sp>
+      <p:sp>
+        <p:nvSpPr>
+          <p:cNvPr id="252" name="TextBox 251">
+            <a:extLst>
+              <a:ext uri="{FF2B5EF4-FFF2-40B4-BE49-F238E27FC236}">
+                <a16:creationId xmlns:a16="http://schemas.microsoft.com/office/drawing/2014/main" id="{D2BB7BB9-B2AF-D0A4-F863-81943DBA4665}"/>
+              </a:ext>
+            </a:extLst>
+          </p:cNvPr>
+          <p:cNvSpPr txBox="1"/>
+          <p:nvPr/>
+        </p:nvSpPr>
+        <p:spPr>
+          <a:xfrm>
+            <a:off x="4936333" y="3034421"/>
+            <a:ext cx="410690" cy="253916"/>
+          </a:xfrm>
+          <a:prstGeom prst="rect">
+            <a:avLst/>
+          </a:prstGeom>
+          <a:noFill/>
+        </p:spPr>
+        <p:txBody>
+          <a:bodyPr wrap="none" rtlCol="0">
+            <a:spAutoFit/>
+          </a:bodyPr>
+          <a:lstStyle/>
+          <a:p>
+            <a:r>
+              <a:rPr lang="en-US" altLang="zh-TW" sz="1050" dirty="0"/>
+              <a:t>RD1</a:t>
+            </a:r>
+            <a:endParaRPr lang="zh-TW" altLang="en-US" sz="1050" dirty="0"/>
+          </a:p>
+        </p:txBody>
+      </p:sp>
+      <p:sp>
+        <p:nvSpPr>
+          <p:cNvPr id="253" name="TextBox 252">
+            <a:extLst>
+              <a:ext uri="{FF2B5EF4-FFF2-40B4-BE49-F238E27FC236}">
+                <a16:creationId xmlns:a16="http://schemas.microsoft.com/office/drawing/2014/main" id="{95BB1A5C-BB5C-EB93-05FA-A97D82B14D68}"/>
+              </a:ext>
+            </a:extLst>
+          </p:cNvPr>
+          <p:cNvSpPr txBox="1"/>
+          <p:nvPr/>
+        </p:nvSpPr>
+        <p:spPr>
+          <a:xfrm>
+            <a:off x="3858670" y="4698164"/>
+            <a:ext cx="322524" cy="253916"/>
+          </a:xfrm>
+          <a:prstGeom prst="rect">
+            <a:avLst/>
+          </a:prstGeom>
+          <a:noFill/>
+        </p:spPr>
+        <p:txBody>
+          <a:bodyPr wrap="none" rtlCol="0">
+            <a:spAutoFit/>
+          </a:bodyPr>
+          <a:lstStyle/>
+          <a:p>
+            <a:r>
+              <a:rPr lang="en-US" altLang="zh-TW" sz="1050" dirty="0"/>
+              <a:t>16</a:t>
+            </a:r>
+          </a:p>
+        </p:txBody>
+      </p:sp>
+      <p:sp>
+        <p:nvSpPr>
+          <p:cNvPr id="254" name="TextBox 253">
+            <a:extLst>
+              <a:ext uri="{FF2B5EF4-FFF2-40B4-BE49-F238E27FC236}">
+                <a16:creationId xmlns:a16="http://schemas.microsoft.com/office/drawing/2014/main" id="{F045D205-D199-B386-0090-BF71A4A02D9D}"/>
+              </a:ext>
+            </a:extLst>
+          </p:cNvPr>
+          <p:cNvSpPr txBox="1"/>
+          <p:nvPr/>
+        </p:nvSpPr>
+        <p:spPr>
+          <a:xfrm>
+            <a:off x="4752598" y="4694901"/>
+            <a:ext cx="322524" cy="253916"/>
+          </a:xfrm>
+          <a:prstGeom prst="rect">
+            <a:avLst/>
+          </a:prstGeom>
+          <a:noFill/>
+        </p:spPr>
+        <p:txBody>
+          <a:bodyPr wrap="none" rtlCol="0">
+            <a:spAutoFit/>
+          </a:bodyPr>
+          <a:lstStyle/>
+          <a:p>
+            <a:r>
+              <a:rPr lang="en-US" altLang="zh-TW" sz="1050" dirty="0"/>
+              <a:t>32</a:t>
+            </a:r>
+          </a:p>
+        </p:txBody>
+      </p:sp>
+      <p:sp>
+        <p:nvSpPr>
+          <p:cNvPr id="256" name="TextBox 255">
+            <a:extLst>
+              <a:ext uri="{FF2B5EF4-FFF2-40B4-BE49-F238E27FC236}">
+                <a16:creationId xmlns:a16="http://schemas.microsoft.com/office/drawing/2014/main" id="{A2442EB8-725A-81A3-6961-08558E1E3FC8}"/>
+              </a:ext>
+            </a:extLst>
+          </p:cNvPr>
+          <p:cNvSpPr txBox="1"/>
+          <p:nvPr/>
+        </p:nvSpPr>
+        <p:spPr>
+          <a:xfrm>
+            <a:off x="6888387" y="1673954"/>
+            <a:ext cx="513282" cy="253916"/>
+          </a:xfrm>
+          <a:prstGeom prst="rect">
+            <a:avLst/>
+          </a:prstGeom>
+          <a:noFill/>
+        </p:spPr>
+        <p:txBody>
+          <a:bodyPr wrap="none" rtlCol="0">
+            <a:spAutoFit/>
+          </a:bodyPr>
+          <a:lstStyle/>
+          <a:p>
+            <a:r>
+              <a:rPr lang="en-US" altLang="zh-TW" sz="1050" dirty="0"/>
+              <a:t>PC </a:t>
+            </a:r>
+            <a:r>
+              <a:rPr lang="en-US" altLang="zh-TW" sz="1050" dirty="0" err="1"/>
+              <a:t>src</a:t>
+            </a:r>
+            <a:endParaRPr lang="zh-TW" altLang="en-US" sz="1050" dirty="0"/>
+          </a:p>
+        </p:txBody>
+      </p:sp>
+      <p:sp>
+        <p:nvSpPr>
+          <p:cNvPr id="258" name="TextBox 257">
+            <a:extLst>
+              <a:ext uri="{FF2B5EF4-FFF2-40B4-BE49-F238E27FC236}">
+                <a16:creationId xmlns:a16="http://schemas.microsoft.com/office/drawing/2014/main" id="{B66B5616-36DC-736F-CEB4-C8D1C568F331}"/>
+              </a:ext>
+            </a:extLst>
+          </p:cNvPr>
+          <p:cNvSpPr txBox="1"/>
+          <p:nvPr/>
+        </p:nvSpPr>
+        <p:spPr>
+          <a:xfrm>
+            <a:off x="4990619" y="2624054"/>
+            <a:ext cx="521558" cy="230832"/>
+          </a:xfrm>
+          <a:prstGeom prst="rect">
+            <a:avLst/>
+          </a:prstGeom>
+          <a:noFill/>
+        </p:spPr>
+        <p:txBody>
+          <a:bodyPr wrap="square" rtlCol="0">
+            <a:spAutoFit/>
+          </a:bodyPr>
+          <a:lstStyle/>
+          <a:p>
+            <a:r>
+              <a:rPr lang="en-US" altLang="zh-TW" sz="900" dirty="0" err="1"/>
+              <a:t>RegDst</a:t>
+            </a:r>
+            <a:endParaRPr lang="zh-TW" altLang="en-US" sz="900" dirty="0"/>
+          </a:p>
+        </p:txBody>
+      </p:sp>
+      <p:sp>
+        <p:nvSpPr>
+          <p:cNvPr id="260" name="TextBox 259">
+            <a:extLst>
+              <a:ext uri="{FF2B5EF4-FFF2-40B4-BE49-F238E27FC236}">
+                <a16:creationId xmlns:a16="http://schemas.microsoft.com/office/drawing/2014/main" id="{58135851-098E-565B-83A7-C3BA2539D026}"/>
+              </a:ext>
+            </a:extLst>
+          </p:cNvPr>
+          <p:cNvSpPr txBox="1"/>
+          <p:nvPr/>
+        </p:nvSpPr>
+        <p:spPr>
+          <a:xfrm>
+            <a:off x="1384096" y="2564844"/>
+            <a:ext cx="436338" cy="253916"/>
+          </a:xfrm>
+          <a:prstGeom prst="rect">
+            <a:avLst/>
+          </a:prstGeom>
+          <a:noFill/>
+        </p:spPr>
+        <p:txBody>
+          <a:bodyPr wrap="none" rtlCol="0">
+            <a:spAutoFit/>
+          </a:bodyPr>
+          <a:lstStyle/>
+          <a:p>
+            <a:r>
+              <a:rPr lang="en-US" altLang="zh-TW" sz="1050" dirty="0" err="1"/>
+              <a:t>addr</a:t>
+            </a:r>
+            <a:endParaRPr lang="zh-TW" altLang="en-US" sz="1050" dirty="0"/>
+          </a:p>
+        </p:txBody>
+      </p:sp>
+      <p:sp>
+        <p:nvSpPr>
+          <p:cNvPr id="263" name="TextBox 262">
+            <a:extLst>
+              <a:ext uri="{FF2B5EF4-FFF2-40B4-BE49-F238E27FC236}">
+                <a16:creationId xmlns:a16="http://schemas.microsoft.com/office/drawing/2014/main" id="{E352B9A0-9B47-734F-B510-D3E8C1171738}"/>
+              </a:ext>
+            </a:extLst>
+          </p:cNvPr>
+          <p:cNvSpPr txBox="1"/>
+          <p:nvPr/>
+        </p:nvSpPr>
+        <p:spPr>
+          <a:xfrm>
+            <a:off x="2268624" y="2604678"/>
+            <a:ext cx="341760" cy="253916"/>
+          </a:xfrm>
+          <a:prstGeom prst="rect">
+            <a:avLst/>
+          </a:prstGeom>
+          <a:noFill/>
+        </p:spPr>
+        <p:txBody>
+          <a:bodyPr wrap="none" rtlCol="0">
+            <a:spAutoFit/>
+          </a:bodyPr>
+          <a:lstStyle/>
+          <a:p>
+            <a:r>
+              <a:rPr lang="en-US" altLang="zh-TW" sz="1050" dirty="0"/>
+              <a:t>RD</a:t>
+            </a:r>
+            <a:endParaRPr lang="zh-TW" altLang="en-US" sz="1050" dirty="0"/>
+          </a:p>
+        </p:txBody>
+      </p:sp>
+      <p:sp>
+        <p:nvSpPr>
+          <p:cNvPr id="264" name="TextBox 263">
+            <a:extLst>
+              <a:ext uri="{FF2B5EF4-FFF2-40B4-BE49-F238E27FC236}">
+                <a16:creationId xmlns:a16="http://schemas.microsoft.com/office/drawing/2014/main" id="{4137366B-0560-2946-DDE6-0EE9A32673A5}"/>
+              </a:ext>
+            </a:extLst>
+          </p:cNvPr>
+          <p:cNvSpPr txBox="1"/>
+          <p:nvPr/>
+        </p:nvSpPr>
+        <p:spPr>
+          <a:xfrm>
+            <a:off x="9545579" y="3300118"/>
+            <a:ext cx="341760" cy="253916"/>
+          </a:xfrm>
+          <a:prstGeom prst="rect">
+            <a:avLst/>
+          </a:prstGeom>
+          <a:noFill/>
+        </p:spPr>
+        <p:txBody>
+          <a:bodyPr wrap="none" rtlCol="0">
+            <a:spAutoFit/>
+          </a:bodyPr>
+          <a:lstStyle/>
+          <a:p>
+            <a:r>
+              <a:rPr lang="en-US" altLang="zh-TW" sz="1050" dirty="0"/>
+              <a:t>RD</a:t>
+            </a:r>
+            <a:endParaRPr lang="zh-TW" altLang="en-US" sz="1050" dirty="0"/>
+          </a:p>
+        </p:txBody>
+      </p:sp>
+      <p:sp>
+        <p:nvSpPr>
+          <p:cNvPr id="266" name="TextBox 265">
+            <a:extLst>
+              <a:ext uri="{FF2B5EF4-FFF2-40B4-BE49-F238E27FC236}">
+                <a16:creationId xmlns:a16="http://schemas.microsoft.com/office/drawing/2014/main" id="{42A20F60-F957-E8D6-9B89-52FE9FD345B9}"/>
+              </a:ext>
+            </a:extLst>
+          </p:cNvPr>
+          <p:cNvSpPr txBox="1"/>
+          <p:nvPr/>
+        </p:nvSpPr>
+        <p:spPr>
+          <a:xfrm>
+            <a:off x="8304728" y="3386252"/>
+            <a:ext cx="436338" cy="253916"/>
+          </a:xfrm>
+          <a:prstGeom prst="rect">
+            <a:avLst/>
+          </a:prstGeom>
+          <a:noFill/>
+        </p:spPr>
+        <p:txBody>
+          <a:bodyPr wrap="none" rtlCol="0">
+            <a:spAutoFit/>
+          </a:bodyPr>
+          <a:lstStyle/>
+          <a:p>
+            <a:r>
+              <a:rPr lang="en-US" altLang="zh-TW" sz="1050" dirty="0" err="1"/>
+              <a:t>addr</a:t>
+            </a:r>
+            <a:endParaRPr lang="zh-TW" altLang="en-US" sz="1050" dirty="0"/>
+          </a:p>
+        </p:txBody>
+      </p:sp>
+      <p:sp>
+        <p:nvSpPr>
+          <p:cNvPr id="267" name="TextBox 266">
+            <a:extLst>
+              <a:ext uri="{FF2B5EF4-FFF2-40B4-BE49-F238E27FC236}">
+                <a16:creationId xmlns:a16="http://schemas.microsoft.com/office/drawing/2014/main" id="{060B2CC5-887A-A9A5-948C-50175892BF46}"/>
+              </a:ext>
+            </a:extLst>
+          </p:cNvPr>
+          <p:cNvSpPr txBox="1"/>
+          <p:nvPr/>
+        </p:nvSpPr>
+        <p:spPr>
+          <a:xfrm>
+            <a:off x="7061142" y="2089175"/>
+            <a:ext cx="720069" cy="253916"/>
+          </a:xfrm>
+          <a:prstGeom prst="rect">
+            <a:avLst/>
+          </a:prstGeom>
+          <a:noFill/>
+        </p:spPr>
+        <p:txBody>
+          <a:bodyPr wrap="none" rtlCol="0">
+            <a:spAutoFit/>
+          </a:bodyPr>
+          <a:lstStyle/>
+          <a:p>
+            <a:r>
+              <a:rPr lang="en-US" altLang="zh-TW" sz="1050" dirty="0"/>
+              <a:t>operation</a:t>
+            </a:r>
+            <a:endParaRPr lang="zh-TW" altLang="en-US" sz="1050" dirty="0"/>
+          </a:p>
+        </p:txBody>
+      </p:sp>
+      <p:sp>
+        <p:nvSpPr>
+          <p:cNvPr id="268" name="TextBox 267">
+            <a:extLst>
+              <a:ext uri="{FF2B5EF4-FFF2-40B4-BE49-F238E27FC236}">
+                <a16:creationId xmlns:a16="http://schemas.microsoft.com/office/drawing/2014/main" id="{3BAD4252-4FDB-AD3B-5F6C-BEE4255F64E0}"/>
+              </a:ext>
+            </a:extLst>
+          </p:cNvPr>
+          <p:cNvSpPr txBox="1"/>
+          <p:nvPr/>
+        </p:nvSpPr>
+        <p:spPr>
+          <a:xfrm>
+            <a:off x="8594184" y="2510078"/>
+            <a:ext cx="760144" cy="253916"/>
+          </a:xfrm>
+          <a:prstGeom prst="rect">
+            <a:avLst/>
+          </a:prstGeom>
+          <a:noFill/>
+        </p:spPr>
+        <p:txBody>
+          <a:bodyPr wrap="none" rtlCol="0">
+            <a:spAutoFit/>
+          </a:bodyPr>
+          <a:lstStyle/>
+          <a:p>
+            <a:r>
+              <a:rPr lang="en-US" altLang="zh-TW" sz="1050" dirty="0" err="1"/>
+              <a:t>Memwrite</a:t>
+            </a:r>
+            <a:endParaRPr lang="zh-TW" altLang="en-US" sz="1050" dirty="0"/>
+          </a:p>
+        </p:txBody>
+      </p:sp>
+      <p:sp>
+        <p:nvSpPr>
+          <p:cNvPr id="269" name="TextBox 268">
+            <a:extLst>
+              <a:ext uri="{FF2B5EF4-FFF2-40B4-BE49-F238E27FC236}">
+                <a16:creationId xmlns:a16="http://schemas.microsoft.com/office/drawing/2014/main" id="{63E8FEF6-78C3-8F84-BFFF-36A76C4C7DF3}"/>
+              </a:ext>
+            </a:extLst>
+          </p:cNvPr>
+          <p:cNvSpPr txBox="1"/>
+          <p:nvPr/>
+        </p:nvSpPr>
+        <p:spPr>
+          <a:xfrm>
+            <a:off x="8594184" y="4631808"/>
+            <a:ext cx="750526" cy="253916"/>
+          </a:xfrm>
+          <a:prstGeom prst="rect">
+            <a:avLst/>
+          </a:prstGeom>
+          <a:noFill/>
+        </p:spPr>
+        <p:txBody>
+          <a:bodyPr wrap="none" rtlCol="0">
+            <a:spAutoFit/>
+          </a:bodyPr>
+          <a:lstStyle/>
+          <a:p>
+            <a:r>
+              <a:rPr lang="en-US" altLang="zh-TW" sz="1050" dirty="0" err="1"/>
+              <a:t>MemRead</a:t>
+            </a:r>
+            <a:endParaRPr lang="zh-TW" altLang="en-US" sz="1050" dirty="0"/>
+          </a:p>
+        </p:txBody>
+      </p:sp>
+      <p:sp>
+        <p:nvSpPr>
+          <p:cNvPr id="270" name="TextBox 269">
+            <a:extLst>
+              <a:ext uri="{FF2B5EF4-FFF2-40B4-BE49-F238E27FC236}">
+                <a16:creationId xmlns:a16="http://schemas.microsoft.com/office/drawing/2014/main" id="{C2178442-A853-6D92-3607-9F4FBA2F7E29}"/>
+              </a:ext>
+            </a:extLst>
+          </p:cNvPr>
+          <p:cNvSpPr txBox="1"/>
+          <p:nvPr/>
+        </p:nvSpPr>
+        <p:spPr>
+          <a:xfrm>
+            <a:off x="10206088" y="4093507"/>
+            <a:ext cx="816249" cy="253916"/>
+          </a:xfrm>
+          <a:prstGeom prst="rect">
+            <a:avLst/>
+          </a:prstGeom>
+          <a:noFill/>
+        </p:spPr>
+        <p:txBody>
+          <a:bodyPr wrap="none" rtlCol="0">
+            <a:spAutoFit/>
+          </a:bodyPr>
+          <a:lstStyle/>
+          <a:p>
+            <a:r>
+              <a:rPr lang="en-US" altLang="zh-TW" sz="1050" dirty="0" err="1"/>
+              <a:t>MemToReg</a:t>
+            </a:r>
+            <a:endParaRPr lang="zh-TW" altLang="en-US" sz="1050" dirty="0"/>
+          </a:p>
+        </p:txBody>
+      </p:sp>
+      <p:sp>
+        <p:nvSpPr>
+          <p:cNvPr id="271" name="TextBox 270">
+            <a:extLst>
+              <a:ext uri="{FF2B5EF4-FFF2-40B4-BE49-F238E27FC236}">
+                <a16:creationId xmlns:a16="http://schemas.microsoft.com/office/drawing/2014/main" id="{9BF2FCDA-D774-5DD9-B3AA-E74BCC4DF9D0}"/>
+              </a:ext>
+            </a:extLst>
+          </p:cNvPr>
+          <p:cNvSpPr txBox="1"/>
+          <p:nvPr/>
+        </p:nvSpPr>
+        <p:spPr>
+          <a:xfrm>
+            <a:off x="7635818" y="1418638"/>
+            <a:ext cx="784189" cy="253916"/>
+          </a:xfrm>
+          <a:prstGeom prst="rect">
+            <a:avLst/>
+          </a:prstGeom>
+          <a:noFill/>
+        </p:spPr>
+        <p:txBody>
+          <a:bodyPr wrap="none" rtlCol="0">
+            <a:spAutoFit/>
+          </a:bodyPr>
+          <a:lstStyle/>
+          <a:p>
+            <a:r>
+              <a:rPr lang="en-US" altLang="zh-TW" sz="1050" dirty="0"/>
+              <a:t>Has hazard</a:t>
+            </a:r>
+            <a:endParaRPr lang="zh-TW" altLang="en-US" sz="1050" dirty="0"/>
+          </a:p>
+        </p:txBody>
+      </p:sp>
+      <p:sp>
+        <p:nvSpPr>
+          <p:cNvPr id="272" name="TextBox 271">
+            <a:extLst>
+              <a:ext uri="{FF2B5EF4-FFF2-40B4-BE49-F238E27FC236}">
+                <a16:creationId xmlns:a16="http://schemas.microsoft.com/office/drawing/2014/main" id="{99B1067A-B658-0438-97B5-81072EBBF866}"/>
+              </a:ext>
+            </a:extLst>
+          </p:cNvPr>
+          <p:cNvSpPr txBox="1"/>
+          <p:nvPr/>
+        </p:nvSpPr>
+        <p:spPr>
+          <a:xfrm>
+            <a:off x="7380420" y="3625604"/>
+            <a:ext cx="431023" cy="253916"/>
+          </a:xfrm>
+          <a:prstGeom prst="rect">
+            <a:avLst/>
+          </a:prstGeom>
+          <a:noFill/>
+        </p:spPr>
+        <p:txBody>
+          <a:bodyPr wrap="square" rtlCol="0">
+            <a:spAutoFit/>
+          </a:bodyPr>
+          <a:lstStyle/>
+          <a:p>
+            <a:r>
+              <a:rPr lang="en-US" altLang="zh-TW" sz="1050" dirty="0"/>
+              <a:t>zero</a:t>
+            </a:r>
+            <a:endParaRPr lang="zh-TW" altLang="en-US" sz="1050" dirty="0"/>
+          </a:p>
+        </p:txBody>
+      </p:sp>
+      <p:sp>
+        <p:nvSpPr>
+          <p:cNvPr id="273" name="TextBox 272">
+            <a:extLst>
+              <a:ext uri="{FF2B5EF4-FFF2-40B4-BE49-F238E27FC236}">
+                <a16:creationId xmlns:a16="http://schemas.microsoft.com/office/drawing/2014/main" id="{F9875A8D-4984-196E-ED13-AE237F242850}"/>
+              </a:ext>
+            </a:extLst>
+          </p:cNvPr>
+          <p:cNvSpPr txBox="1"/>
+          <p:nvPr/>
+        </p:nvSpPr>
+        <p:spPr>
+          <a:xfrm>
+            <a:off x="5725011" y="4029535"/>
+            <a:ext cx="575806" cy="253916"/>
+          </a:xfrm>
+          <a:prstGeom prst="rect">
+            <a:avLst/>
+          </a:prstGeom>
+          <a:noFill/>
+        </p:spPr>
+        <p:txBody>
+          <a:bodyPr wrap="square" rtlCol="0">
+            <a:spAutoFit/>
+          </a:bodyPr>
+          <a:lstStyle/>
+          <a:p>
+            <a:r>
+              <a:rPr lang="en-US" altLang="zh-TW" sz="1050" dirty="0" err="1"/>
+              <a:t>ALUsrc</a:t>
+            </a:r>
+            <a:endParaRPr lang="zh-TW" altLang="en-US" sz="1050" dirty="0"/>
+          </a:p>
+        </p:txBody>
+      </p:sp>
+      <p:cxnSp>
+        <p:nvCxnSpPr>
+          <p:cNvPr id="275" name="Connector: Elbow 274">
+            <a:extLst>
+              <a:ext uri="{FF2B5EF4-FFF2-40B4-BE49-F238E27FC236}">
+                <a16:creationId xmlns:a16="http://schemas.microsoft.com/office/drawing/2014/main" id="{185D281C-C181-2155-DF44-7A50334F5FD6}"/>
+              </a:ext>
+            </a:extLst>
+          </p:cNvPr>
+          <p:cNvCxnSpPr>
+            <a:cxnSpLocks/>
+            <a:stCxn id="6" idx="2"/>
+          </p:cNvCxnSpPr>
+          <p:nvPr/>
+        </p:nvCxnSpPr>
+        <p:spPr>
+          <a:xfrm rot="16200000" flipH="1">
+            <a:off x="1854111" y="3670662"/>
+            <a:ext cx="1929866" cy="1659858"/>
+          </a:xfrm>
+          <a:prstGeom prst="bentConnector3">
+            <a:avLst>
+              <a:gd name="adj1" fmla="val 82377"/>
+            </a:avLst>
+          </a:prstGeom>
+          <a:ln>
+            <a:tailEnd type="triangle"/>
+          </a:ln>
+        </p:spPr>
+        <p:style>
+          <a:lnRef idx="1">
+            <a:schemeClr val="accent1"/>
+          </a:lnRef>
+          <a:fillRef idx="0">
+            <a:schemeClr val="accent1"/>
+          </a:fillRef>
+          <a:effectRef idx="0">
+            <a:schemeClr val="accent1"/>
+          </a:effectRef>
+          <a:fontRef idx="minor">
+            <a:schemeClr val="tx1"/>
+          </a:fontRef>
+        </p:style>
+      </p:cxnSp>
     </p:spTree>
     <p:extLst>
       <p:ext uri="{BB962C8B-B14F-4D97-AF65-F5344CB8AC3E}">
-        <p14:creationId xmlns:p14="http://schemas.microsoft.com/office/powerpoint/2010/main" val="3204897449"/>
+        <p14:creationId xmlns:p14="http://schemas.microsoft.com/office/powerpoint/2010/main" val="4091038783"/>
       </p:ext>
     </p:extLst>
   </p:cSld>
